--- a/PPT/PPT_intervy.pptx
+++ b/PPT/PPT_intervy.pptx
@@ -6,38 +6,41 @@
   </p:sldMasterIdLst>
   <p:sldIdLst>
     <p:sldId id="256" r:id="rId2"/>
-    <p:sldId id="257" r:id="rId3"/>
-    <p:sldId id="259" r:id="rId4"/>
-    <p:sldId id="276" r:id="rId5"/>
-    <p:sldId id="260" r:id="rId6"/>
-    <p:sldId id="275" r:id="rId7"/>
-    <p:sldId id="263" r:id="rId8"/>
-    <p:sldId id="272" r:id="rId9"/>
+    <p:sldId id="279" r:id="rId3"/>
+    <p:sldId id="257" r:id="rId4"/>
+    <p:sldId id="259" r:id="rId5"/>
+    <p:sldId id="276" r:id="rId6"/>
+    <p:sldId id="260" r:id="rId7"/>
+    <p:sldId id="275" r:id="rId8"/>
+    <p:sldId id="263" r:id="rId9"/>
+    <p:sldId id="280" r:id="rId10"/>
+    <p:sldId id="277" r:id="rId11"/>
+    <p:sldId id="272" r:id="rId12"/>
   </p:sldIdLst>
   <p:sldSz cx="18288000" cy="10287000"/>
   <p:notesSz cx="6858000" cy="9144000"/>
   <p:embeddedFontLst>
     <p:embeddedFont>
       <p:font typeface="Calibri" panose="020F0502020204030204" pitchFamily="34" charset="0"/>
-      <p:regular r:id="rId10"/>
-      <p:bold r:id="rId11"/>
-      <p:italic r:id="rId12"/>
-      <p:boldItalic r:id="rId13"/>
+      <p:regular r:id="rId13"/>
+      <p:bold r:id="rId14"/>
+      <p:italic r:id="rId15"/>
+      <p:boldItalic r:id="rId16"/>
     </p:embeddedFont>
     <p:embeddedFont>
       <p:font typeface="Consolas" panose="020B0609020204030204" pitchFamily="49" charset="0"/>
-      <p:regular r:id="rId14"/>
-      <p:bold r:id="rId15"/>
-      <p:italic r:id="rId16"/>
-      <p:boldItalic r:id="rId17"/>
+      <p:regular r:id="rId17"/>
+      <p:bold r:id="rId18"/>
+      <p:italic r:id="rId19"/>
+      <p:boldItalic r:id="rId20"/>
     </p:embeddedFont>
     <p:embeddedFont>
       <p:font typeface="Public Sans" panose="020B0604020202020204" charset="0"/>
-      <p:regular r:id="rId18"/>
+      <p:regular r:id="rId21"/>
     </p:embeddedFont>
     <p:embeddedFont>
       <p:font typeface="Public Sans Bold" panose="020B0604020202020204" charset="0"/>
-      <p:regular r:id="rId19"/>
+      <p:regular r:id="rId22"/>
     </p:embeddedFont>
   </p:embeddedFontLst>
   <p:defaultTextStyle>
@@ -152,6 +155,230 @@
     </p:ext>
   </p:extLst>
 </p:presentation>
+</file>
+
+<file path=ppt/changesInfos/changesInfo1.xml><?xml version="1.0" encoding="utf-8"?>
+<pc:chgInfo xmlns:a="http://schemas.openxmlformats.org/drawingml/2006/main" xmlns:r="http://schemas.openxmlformats.org/officeDocument/2006/relationships" xmlns:ac="http://schemas.microsoft.com/office/drawing/2013/main/command" xmlns:pc="http://schemas.microsoft.com/office/powerpoint/2013/main/command">
+  <pc:docChgLst>
+    <pc:chgData name="Daniel Garrido Prados" userId="1d43a53d85794cda" providerId="LiveId" clId="{4B4F09F9-7755-4003-9A3F-F316B6AABC2F}"/>
+    <pc:docChg chg="undo custSel addSld delSld modSld">
+      <pc:chgData name="Daniel Garrido Prados" userId="1d43a53d85794cda" providerId="LiveId" clId="{4B4F09F9-7755-4003-9A3F-F316B6AABC2F}" dt="2025-03-04T09:21:07.063" v="299" actId="2696"/>
+      <pc:docMkLst>
+        <pc:docMk/>
+      </pc:docMkLst>
+      <pc:sldChg chg="modTransition">
+        <pc:chgData name="Daniel Garrido Prados" userId="1d43a53d85794cda" providerId="LiveId" clId="{4B4F09F9-7755-4003-9A3F-F316B6AABC2F}" dt="2025-03-04T09:14:23.028" v="279"/>
+        <pc:sldMkLst>
+          <pc:docMk/>
+          <pc:sldMk cId="0" sldId="257"/>
+        </pc:sldMkLst>
+      </pc:sldChg>
+      <pc:sldChg chg="addSp delSp modSp mod modTransition setBg">
+        <pc:chgData name="Daniel Garrido Prados" userId="1d43a53d85794cda" providerId="LiveId" clId="{4B4F09F9-7755-4003-9A3F-F316B6AABC2F}" dt="2025-03-04T09:20:52.143" v="296" actId="1076"/>
+        <pc:sldMkLst>
+          <pc:docMk/>
+          <pc:sldMk cId="0" sldId="263"/>
+        </pc:sldMkLst>
+        <pc:spChg chg="add del">
+          <ac:chgData name="Daniel Garrido Prados" userId="1d43a53d85794cda" providerId="LiveId" clId="{4B4F09F9-7755-4003-9A3F-F316B6AABC2F}" dt="2025-03-04T08:52:24.046" v="50" actId="478"/>
+          <ac:spMkLst>
+            <pc:docMk/>
+            <pc:sldMk cId="0" sldId="263"/>
+            <ac:spMk id="2" creationId="{3437E713-7C01-4D69-ABAC-9CE8A0CBA00F}"/>
+          </ac:spMkLst>
+        </pc:spChg>
+        <pc:spChg chg="add del">
+          <ac:chgData name="Daniel Garrido Prados" userId="1d43a53d85794cda" providerId="LiveId" clId="{4B4F09F9-7755-4003-9A3F-F316B6AABC2F}" dt="2025-03-04T08:55:21.173" v="68" actId="478"/>
+          <ac:spMkLst>
+            <pc:docMk/>
+            <pc:sldMk cId="0" sldId="263"/>
+            <ac:spMk id="12" creationId="{14CCEEAF-F96F-4ED3-B7A3-3AEFAB9C9FDE}"/>
+          </ac:spMkLst>
+        </pc:spChg>
+        <pc:spChg chg="add del mod">
+          <ac:chgData name="Daniel Garrido Prados" userId="1d43a53d85794cda" providerId="LiveId" clId="{4B4F09F9-7755-4003-9A3F-F316B6AABC2F}" dt="2025-03-04T08:57:20.591" v="95" actId="478"/>
+          <ac:spMkLst>
+            <pc:docMk/>
+            <pc:sldMk cId="0" sldId="263"/>
+            <ac:spMk id="13" creationId="{37A2DD01-0A3F-4A0F-8E5C-552786152296}"/>
+          </ac:spMkLst>
+        </pc:spChg>
+        <pc:picChg chg="add del mod ord modCrop">
+          <ac:chgData name="Daniel Garrido Prados" userId="1d43a53d85794cda" providerId="LiveId" clId="{4B4F09F9-7755-4003-9A3F-F316B6AABC2F}" dt="2025-03-04T08:52:24.046" v="50" actId="478"/>
+          <ac:picMkLst>
+            <pc:docMk/>
+            <pc:sldMk cId="0" sldId="263"/>
+            <ac:picMk id="4" creationId="{D36DC530-574E-4EB3-B99E-6A52F10CBBDB}"/>
+          </ac:picMkLst>
+        </pc:picChg>
+        <pc:picChg chg="add mod modCrop">
+          <ac:chgData name="Daniel Garrido Prados" userId="1d43a53d85794cda" providerId="LiveId" clId="{4B4F09F9-7755-4003-9A3F-F316B6AABC2F}" dt="2025-03-04T09:02:52.844" v="253" actId="1036"/>
+          <ac:picMkLst>
+            <pc:docMk/>
+            <pc:sldMk cId="0" sldId="263"/>
+            <ac:picMk id="6" creationId="{C15306A4-B547-4C00-8005-ABC0F55A6A44}"/>
+          </ac:picMkLst>
+        </pc:picChg>
+        <pc:picChg chg="add del mod">
+          <ac:chgData name="Daniel Garrido Prados" userId="1d43a53d85794cda" providerId="LiveId" clId="{4B4F09F9-7755-4003-9A3F-F316B6AABC2F}" dt="2025-03-04T08:52:46.765" v="52" actId="478"/>
+          <ac:picMkLst>
+            <pc:docMk/>
+            <pc:sldMk cId="0" sldId="263"/>
+            <ac:picMk id="8" creationId="{E397FEE2-E0EC-4224-A949-84867EC698B0}"/>
+          </ac:picMkLst>
+        </pc:picChg>
+        <pc:picChg chg="del">
+          <ac:chgData name="Daniel Garrido Prados" userId="1d43a53d85794cda" providerId="LiveId" clId="{4B4F09F9-7755-4003-9A3F-F316B6AABC2F}" dt="2025-03-04T08:16:53.975" v="32" actId="478"/>
+          <ac:picMkLst>
+            <pc:docMk/>
+            <pc:sldMk cId="0" sldId="263"/>
+            <ac:picMk id="9" creationId="{16C1EFDB-ECCD-474F-9F91-627AB87D3271}"/>
+          </ac:picMkLst>
+        </pc:picChg>
+        <pc:picChg chg="add del mod">
+          <ac:chgData name="Daniel Garrido Prados" userId="1d43a53d85794cda" providerId="LiveId" clId="{4B4F09F9-7755-4003-9A3F-F316B6AABC2F}" dt="2025-03-04T08:59:53.242" v="127" actId="478"/>
+          <ac:picMkLst>
+            <pc:docMk/>
+            <pc:sldMk cId="0" sldId="263"/>
+            <ac:picMk id="10" creationId="{33519375-21EF-4236-8745-32FEBF0C2A05}"/>
+          </ac:picMkLst>
+        </pc:picChg>
+        <pc:picChg chg="add mod modCrop">
+          <ac:chgData name="Daniel Garrido Prados" userId="1d43a53d85794cda" providerId="LiveId" clId="{4B4F09F9-7755-4003-9A3F-F316B6AABC2F}" dt="2025-03-04T09:02:10.224" v="162" actId="1037"/>
+          <ac:picMkLst>
+            <pc:docMk/>
+            <pc:sldMk cId="0" sldId="263"/>
+            <ac:picMk id="11" creationId="{AD87AF7D-B07E-43CC-9265-6194273BBFB6}"/>
+          </ac:picMkLst>
+        </pc:picChg>
+        <pc:picChg chg="del mod">
+          <ac:chgData name="Daniel Garrido Prados" userId="1d43a53d85794cda" providerId="LiveId" clId="{4B4F09F9-7755-4003-9A3F-F316B6AABC2F}" dt="2025-03-04T08:52:24.046" v="50" actId="478"/>
+          <ac:picMkLst>
+            <pc:docMk/>
+            <pc:sldMk cId="0" sldId="263"/>
+            <ac:picMk id="15" creationId="{4F7916E4-9E8D-4A46-9BB6-68CD5DC4F8F0}"/>
+          </ac:picMkLst>
+        </pc:picChg>
+        <pc:picChg chg="del">
+          <ac:chgData name="Daniel Garrido Prados" userId="1d43a53d85794cda" providerId="LiveId" clId="{4B4F09F9-7755-4003-9A3F-F316B6AABC2F}" dt="2025-03-04T08:52:24.046" v="50" actId="478"/>
+          <ac:picMkLst>
+            <pc:docMk/>
+            <pc:sldMk cId="0" sldId="263"/>
+            <ac:picMk id="17" creationId="{F42A0A5B-5D6B-4152-9547-23B056A1922A}"/>
+          </ac:picMkLst>
+        </pc:picChg>
+        <pc:picChg chg="add mod">
+          <ac:chgData name="Daniel Garrido Prados" userId="1d43a53d85794cda" providerId="LiveId" clId="{4B4F09F9-7755-4003-9A3F-F316B6AABC2F}" dt="2025-03-04T08:59:54.065" v="128"/>
+          <ac:picMkLst>
+            <pc:docMk/>
+            <pc:sldMk cId="0" sldId="263"/>
+            <ac:picMk id="20" creationId="{EF943985-1FF5-4672-8230-0A5A528C8B94}"/>
+          </ac:picMkLst>
+        </pc:picChg>
+        <pc:picChg chg="add del">
+          <ac:chgData name="Daniel Garrido Prados" userId="1d43a53d85794cda" providerId="LiveId" clId="{4B4F09F9-7755-4003-9A3F-F316B6AABC2F}" dt="2025-03-04T08:55:09.980" v="66" actId="478"/>
+          <ac:picMkLst>
+            <pc:docMk/>
+            <pc:sldMk cId="0" sldId="263"/>
+            <ac:picMk id="1028" creationId="{49CED995-A7D8-4B0D-98F7-49195B186EA8}"/>
+          </ac:picMkLst>
+        </pc:picChg>
+        <pc:picChg chg="add del mod">
+          <ac:chgData name="Daniel Garrido Prados" userId="1d43a53d85794cda" providerId="LiveId" clId="{4B4F09F9-7755-4003-9A3F-F316B6AABC2F}" dt="2025-03-04T09:09:14.891" v="264" actId="478"/>
+          <ac:picMkLst>
+            <pc:docMk/>
+            <pc:sldMk cId="0" sldId="263"/>
+            <ac:picMk id="1032" creationId="{32EF596B-CD82-423B-B3A5-E670574FA17E}"/>
+          </ac:picMkLst>
+        </pc:picChg>
+        <pc:picChg chg="add mod">
+          <ac:chgData name="Daniel Garrido Prados" userId="1d43a53d85794cda" providerId="LiveId" clId="{4B4F09F9-7755-4003-9A3F-F316B6AABC2F}" dt="2025-03-04T09:02:10.224" v="162" actId="1037"/>
+          <ac:picMkLst>
+            <pc:docMk/>
+            <pc:sldMk cId="0" sldId="263"/>
+            <ac:picMk id="1034" creationId="{80C4E3F1-24E5-4608-8F9A-F21CCE8FA643}"/>
+          </ac:picMkLst>
+        </pc:picChg>
+        <pc:picChg chg="add mod">
+          <ac:chgData name="Daniel Garrido Prados" userId="1d43a53d85794cda" providerId="LiveId" clId="{4B4F09F9-7755-4003-9A3F-F316B6AABC2F}" dt="2025-03-04T09:02:52.844" v="253" actId="1036"/>
+          <ac:picMkLst>
+            <pc:docMk/>
+            <pc:sldMk cId="0" sldId="263"/>
+            <ac:picMk id="1036" creationId="{CAFBD6B9-EADF-4DC1-B91B-EE699CB95DE0}"/>
+          </ac:picMkLst>
+        </pc:picChg>
+        <pc:picChg chg="add mod">
+          <ac:chgData name="Daniel Garrido Prados" userId="1d43a53d85794cda" providerId="LiveId" clId="{4B4F09F9-7755-4003-9A3F-F316B6AABC2F}" dt="2025-03-04T09:20:52.143" v="296" actId="1076"/>
+          <ac:picMkLst>
+            <pc:docMk/>
+            <pc:sldMk cId="0" sldId="263"/>
+            <ac:picMk id="1038" creationId="{90260295-6A2E-48F3-9D72-FF4701FF8AF9}"/>
+          </ac:picMkLst>
+        </pc:picChg>
+        <pc:picChg chg="add mod">
+          <ac:chgData name="Daniel Garrido Prados" userId="1d43a53d85794cda" providerId="LiveId" clId="{4B4F09F9-7755-4003-9A3F-F316B6AABC2F}" dt="2025-03-04T09:20:43.352" v="295" actId="1076"/>
+          <ac:picMkLst>
+            <pc:docMk/>
+            <pc:sldMk cId="0" sldId="263"/>
+            <ac:picMk id="1040" creationId="{C8726F30-A62D-482D-8A67-1D9317827F2D}"/>
+          </ac:picMkLst>
+        </pc:picChg>
+        <pc:picChg chg="add mod">
+          <ac:chgData name="Daniel Garrido Prados" userId="1d43a53d85794cda" providerId="LiveId" clId="{4B4F09F9-7755-4003-9A3F-F316B6AABC2F}" dt="2025-03-04T09:20:38.763" v="294" actId="1076"/>
+          <ac:picMkLst>
+            <pc:docMk/>
+            <pc:sldMk cId="0" sldId="263"/>
+            <ac:picMk id="1042" creationId="{3FB189A3-9536-4092-A539-586F5D68ED10}"/>
+          </ac:picMkLst>
+        </pc:picChg>
+      </pc:sldChg>
+      <pc:sldChg chg="add modTransition">
+        <pc:chgData name="Daniel Garrido Prados" userId="1d43a53d85794cda" providerId="LiveId" clId="{4B4F09F9-7755-4003-9A3F-F316B6AABC2F}" dt="2025-03-04T09:09:50.383" v="270"/>
+        <pc:sldMkLst>
+          <pc:docMk/>
+          <pc:sldMk cId="361308955" sldId="277"/>
+        </pc:sldMkLst>
+      </pc:sldChg>
+      <pc:sldChg chg="add del modTransition">
+        <pc:chgData name="Daniel Garrido Prados" userId="1d43a53d85794cda" providerId="LiveId" clId="{4B4F09F9-7755-4003-9A3F-F316B6AABC2F}" dt="2025-03-04T09:21:07.063" v="299" actId="2696"/>
+        <pc:sldMkLst>
+          <pc:docMk/>
+          <pc:sldMk cId="1385049762" sldId="278"/>
+        </pc:sldMkLst>
+      </pc:sldChg>
+      <pc:sldChg chg="modSp add modTransition">
+        <pc:chgData name="Daniel Garrido Prados" userId="1d43a53d85794cda" providerId="LiveId" clId="{4B4F09F9-7755-4003-9A3F-F316B6AABC2F}" dt="2025-03-04T09:14:49.253" v="281"/>
+        <pc:sldMkLst>
+          <pc:docMk/>
+          <pc:sldMk cId="153390029" sldId="279"/>
+        </pc:sldMkLst>
+        <pc:picChg chg="mod">
+          <ac:chgData name="Daniel Garrido Prados" userId="1d43a53d85794cda" providerId="LiveId" clId="{4B4F09F9-7755-4003-9A3F-F316B6AABC2F}" dt="2025-03-04T09:13:33.545" v="274" actId="1076"/>
+          <ac:picMkLst>
+            <pc:docMk/>
+            <pc:sldMk cId="153390029" sldId="279"/>
+            <ac:picMk id="1030" creationId="{0A209752-5091-4F1C-BF82-75EE2096173C}"/>
+          </ac:picMkLst>
+        </pc:picChg>
+      </pc:sldChg>
+      <pc:sldChg chg="addSp modSp add">
+        <pc:chgData name="Daniel Garrido Prados" userId="1d43a53d85794cda" providerId="LiveId" clId="{4B4F09F9-7755-4003-9A3F-F316B6AABC2F}" dt="2025-03-04T09:21:03.624" v="298"/>
+        <pc:sldMkLst>
+          <pc:docMk/>
+          <pc:sldMk cId="2258294557" sldId="280"/>
+        </pc:sldMkLst>
+        <pc:picChg chg="add mod">
+          <ac:chgData name="Daniel Garrido Prados" userId="1d43a53d85794cda" providerId="LiveId" clId="{4B4F09F9-7755-4003-9A3F-F316B6AABC2F}" dt="2025-03-04T09:21:03.624" v="298"/>
+          <ac:picMkLst>
+            <pc:docMk/>
+            <pc:sldMk cId="2258294557" sldId="280"/>
+            <ac:picMk id="10" creationId="{AEC98956-E015-4027-BCEF-259F3FF1F51E}"/>
+          </ac:picMkLst>
+        </pc:picChg>
+      </pc:sldChg>
+    </pc:docChg>
+  </pc:docChgLst>
+</pc:chgInfo>
 </file>
 
 <file path=ppt/charts/chart1.xml><?xml version="1.0" encoding="utf-8"?>
@@ -1086,7 +1313,7 @@
             <a:fld id="{1D8BD707-D9CF-40AE-B4C6-C98DA3205C09}" type="datetimeFigureOut">
               <a:rPr lang="en-US" smtClean="0"/>
               <a:pPr/>
-              <a:t>3/3/2025</a:t>
+              <a:t>3/4/2025</a:t>
             </a:fld>
             <a:endParaRPr lang="en-US"/>
           </a:p>
@@ -1251,7 +1478,7 @@
             <a:fld id="{1D8BD707-D9CF-40AE-B4C6-C98DA3205C09}" type="datetimeFigureOut">
               <a:rPr lang="en-US" smtClean="0"/>
               <a:pPr/>
-              <a:t>3/3/2025</a:t>
+              <a:t>3/4/2025</a:t>
             </a:fld>
             <a:endParaRPr lang="en-US"/>
           </a:p>
@@ -1426,7 +1653,7 @@
             <a:fld id="{1D8BD707-D9CF-40AE-B4C6-C98DA3205C09}" type="datetimeFigureOut">
               <a:rPr lang="en-US" smtClean="0"/>
               <a:pPr/>
-              <a:t>3/3/2025</a:t>
+              <a:t>3/4/2025</a:t>
             </a:fld>
             <a:endParaRPr lang="en-US"/>
           </a:p>
@@ -1591,7 +1818,7 @@
             <a:fld id="{1D8BD707-D9CF-40AE-B4C6-C98DA3205C09}" type="datetimeFigureOut">
               <a:rPr lang="en-US" smtClean="0"/>
               <a:pPr/>
-              <a:t>3/3/2025</a:t>
+              <a:t>3/4/2025</a:t>
             </a:fld>
             <a:endParaRPr lang="en-US"/>
           </a:p>
@@ -1833,7 +2060,7 @@
             <a:fld id="{1D8BD707-D9CF-40AE-B4C6-C98DA3205C09}" type="datetimeFigureOut">
               <a:rPr lang="en-US" smtClean="0"/>
               <a:pPr/>
-              <a:t>3/3/2025</a:t>
+              <a:t>3/4/2025</a:t>
             </a:fld>
             <a:endParaRPr lang="en-US"/>
           </a:p>
@@ -2115,7 +2342,7 @@
             <a:fld id="{1D8BD707-D9CF-40AE-B4C6-C98DA3205C09}" type="datetimeFigureOut">
               <a:rPr lang="en-US" smtClean="0"/>
               <a:pPr/>
-              <a:t>3/3/2025</a:t>
+              <a:t>3/4/2025</a:t>
             </a:fld>
             <a:endParaRPr lang="en-US"/>
           </a:p>
@@ -2531,7 +2758,7 @@
             <a:fld id="{1D8BD707-D9CF-40AE-B4C6-C98DA3205C09}" type="datetimeFigureOut">
               <a:rPr lang="en-US" smtClean="0"/>
               <a:pPr/>
-              <a:t>3/3/2025</a:t>
+              <a:t>3/4/2025</a:t>
             </a:fld>
             <a:endParaRPr lang="en-US"/>
           </a:p>
@@ -2645,7 +2872,7 @@
             <a:fld id="{1D8BD707-D9CF-40AE-B4C6-C98DA3205C09}" type="datetimeFigureOut">
               <a:rPr lang="en-US" smtClean="0"/>
               <a:pPr/>
-              <a:t>3/3/2025</a:t>
+              <a:t>3/4/2025</a:t>
             </a:fld>
             <a:endParaRPr lang="en-US"/>
           </a:p>
@@ -2737,7 +2964,7 @@
             <a:fld id="{1D8BD707-D9CF-40AE-B4C6-C98DA3205C09}" type="datetimeFigureOut">
               <a:rPr lang="en-US" smtClean="0"/>
               <a:pPr/>
-              <a:t>3/3/2025</a:t>
+              <a:t>3/4/2025</a:t>
             </a:fld>
             <a:endParaRPr lang="en-US"/>
           </a:p>
@@ -3009,7 +3236,7 @@
             <a:fld id="{1D8BD707-D9CF-40AE-B4C6-C98DA3205C09}" type="datetimeFigureOut">
               <a:rPr lang="en-US" smtClean="0"/>
               <a:pPr/>
-              <a:t>3/3/2025</a:t>
+              <a:t>3/4/2025</a:t>
             </a:fld>
             <a:endParaRPr lang="en-US"/>
           </a:p>
@@ -3258,7 +3485,7 @@
             <a:fld id="{1D8BD707-D9CF-40AE-B4C6-C98DA3205C09}" type="datetimeFigureOut">
               <a:rPr lang="en-US" smtClean="0"/>
               <a:pPr/>
-              <a:t>3/3/2025</a:t>
+              <a:t>3/4/2025</a:t>
             </a:fld>
             <a:endParaRPr lang="en-US"/>
           </a:p>
@@ -3466,7 +3693,7 @@
             <a:fld id="{1D8BD707-D9CF-40AE-B4C6-C98DA3205C09}" type="datetimeFigureOut">
               <a:rPr lang="en-US" smtClean="0"/>
               <a:pPr/>
-              <a:t>3/3/2025</a:t>
+              <a:t>3/4/2025</a:t>
             </a:fld>
             <a:endParaRPr lang="en-US"/>
           </a:p>
@@ -4152,7 +4379,869 @@
 </p:sld>
 </file>
 
+<file path=ppt/slides/slide10.xml><?xml version="1.0" encoding="utf-8"?>
+<p:sld xmlns:a="http://schemas.openxmlformats.org/drawingml/2006/main" xmlns:r="http://schemas.openxmlformats.org/officeDocument/2006/relationships" xmlns:p="http://schemas.openxmlformats.org/presentationml/2006/main">
+  <p:cSld>
+    <p:bg>
+      <p:bgPr>
+        <a:solidFill>
+          <a:srgbClr val="5D9B9B"/>
+        </a:solidFill>
+        <a:effectLst/>
+      </p:bgPr>
+    </p:bg>
+    <p:spTree>
+      <p:nvGrpSpPr>
+        <p:cNvPr id="1" name=""/>
+        <p:cNvGrpSpPr/>
+        <p:nvPr/>
+      </p:nvGrpSpPr>
+      <p:grpSpPr>
+        <a:xfrm>
+          <a:off x="0" y="0"/>
+          <a:ext cx="0" cy="0"/>
+          <a:chOff x="0" y="0"/>
+          <a:chExt cx="0" cy="0"/>
+        </a:xfrm>
+      </p:grpSpPr>
+      <p:pic>
+        <p:nvPicPr>
+          <p:cNvPr id="4" name="Imagen 3">
+            <a:extLst>
+              <a:ext uri="{FF2B5EF4-FFF2-40B4-BE49-F238E27FC236}">
+                <a16:creationId xmlns:a16="http://schemas.microsoft.com/office/drawing/2014/main" id="{D36DC530-574E-4EB3-B99E-6A52F10CBBDB}"/>
+              </a:ext>
+            </a:extLst>
+          </p:cNvPr>
+          <p:cNvPicPr>
+            <a:picLocks noChangeAspect="1"/>
+          </p:cNvPicPr>
+          <p:nvPr/>
+        </p:nvPicPr>
+        <p:blipFill rotWithShape="1">
+          <a:blip r:embed="rId2">
+            <a:extLst>
+              <a:ext uri="{28A0092B-C50C-407E-A947-70E740481C1C}">
+                <a14:useLocalDpi xmlns:a14="http://schemas.microsoft.com/office/drawing/2010/main" val="0"/>
+              </a:ext>
+            </a:extLst>
+          </a:blip>
+          <a:srcRect l="13358" t="7020" r="15030"/>
+          <a:stretch/>
+        </p:blipFill>
+        <p:spPr>
+          <a:xfrm>
+            <a:off x="6324600" y="3695700"/>
+            <a:ext cx="6400800" cy="4140044"/>
+          </a:xfrm>
+          <a:prstGeom prst="rect">
+            <a:avLst/>
+          </a:prstGeom>
+        </p:spPr>
+      </p:pic>
+      <p:pic>
+        <p:nvPicPr>
+          <p:cNvPr id="15" name="Gráfico 14" descr="Monitor con relleno sólido">
+            <a:extLst>
+              <a:ext uri="{FF2B5EF4-FFF2-40B4-BE49-F238E27FC236}">
+                <a16:creationId xmlns:a16="http://schemas.microsoft.com/office/drawing/2014/main" id="{4F7916E4-9E8D-4A46-9BB6-68CD5DC4F8F0}"/>
+              </a:ext>
+            </a:extLst>
+          </p:cNvPr>
+          <p:cNvPicPr>
+            <a:picLocks noChangeAspect="1"/>
+          </p:cNvPicPr>
+          <p:nvPr/>
+        </p:nvPicPr>
+        <p:blipFill>
+          <a:blip r:embed="rId3">
+            <a:extLst>
+              <a:ext uri="{28A0092B-C50C-407E-A947-70E740481C1C}">
+                <a14:useLocalDpi xmlns:a14="http://schemas.microsoft.com/office/drawing/2010/main" val="0"/>
+              </a:ext>
+              <a:ext uri="{96DAC541-7B7A-43D3-8B79-37D633B846F1}">
+                <asvg:svgBlip xmlns:asvg="http://schemas.microsoft.com/office/drawing/2016/SVG/main" r:embed="rId4"/>
+              </a:ext>
+            </a:extLst>
+          </a:blip>
+          <a:stretch>
+            <a:fillRect/>
+          </a:stretch>
+        </p:blipFill>
+        <p:spPr>
+          <a:xfrm>
+            <a:off x="5181600" y="1943100"/>
+            <a:ext cx="8686800" cy="8686800"/>
+          </a:xfrm>
+          <a:prstGeom prst="rect">
+            <a:avLst/>
+          </a:prstGeom>
+        </p:spPr>
+      </p:pic>
+      <p:pic>
+        <p:nvPicPr>
+          <p:cNvPr id="17" name="Imagen 16">
+            <a:extLst>
+              <a:ext uri="{FF2B5EF4-FFF2-40B4-BE49-F238E27FC236}">
+                <a16:creationId xmlns:a16="http://schemas.microsoft.com/office/drawing/2014/main" id="{F42A0A5B-5D6B-4152-9547-23B056A1922A}"/>
+              </a:ext>
+            </a:extLst>
+          </p:cNvPr>
+          <p:cNvPicPr>
+            <a:picLocks noChangeAspect="1"/>
+          </p:cNvPicPr>
+          <p:nvPr/>
+        </p:nvPicPr>
+        <p:blipFill rotWithShape="1">
+          <a:blip r:embed="rId5">
+            <a:extLst>
+              <a:ext uri="{28A0092B-C50C-407E-A947-70E740481C1C}">
+                <a14:useLocalDpi xmlns:a14="http://schemas.microsoft.com/office/drawing/2010/main" val="0"/>
+              </a:ext>
+            </a:extLst>
+          </a:blip>
+          <a:srcRect l="6795" t="39881" r="8395" b="39021"/>
+          <a:stretch/>
+        </p:blipFill>
+        <p:spPr>
+          <a:xfrm>
+            <a:off x="6946561" y="1181100"/>
+            <a:ext cx="5156878" cy="1282828"/>
+          </a:xfrm>
+          <a:prstGeom prst="rect">
+            <a:avLst/>
+          </a:prstGeom>
+        </p:spPr>
+      </p:pic>
+      <p:sp>
+        <p:nvSpPr>
+          <p:cNvPr id="2" name="AutoShape 2" descr="alt text">
+            <a:extLst>
+              <a:ext uri="{FF2B5EF4-FFF2-40B4-BE49-F238E27FC236}">
+                <a16:creationId xmlns:a16="http://schemas.microsoft.com/office/drawing/2014/main" id="{3437E713-7C01-4D69-ABAC-9CE8A0CBA00F}"/>
+              </a:ext>
+            </a:extLst>
+          </p:cNvPr>
+          <p:cNvSpPr>
+            <a:spLocks noChangeAspect="1" noChangeArrowheads="1"/>
+          </p:cNvSpPr>
+          <p:nvPr/>
+        </p:nvSpPr>
+        <p:spPr bwMode="auto">
+          <a:xfrm>
+            <a:off x="8991600" y="4991100"/>
+            <a:ext cx="304800" cy="304800"/>
+          </a:xfrm>
+          <a:prstGeom prst="rect">
+            <a:avLst/>
+          </a:prstGeom>
+          <a:noFill/>
+          <a:extLst>
+            <a:ext uri="{909E8E84-426E-40DD-AFC4-6F175D3DCCD1}">
+              <a14:hiddenFill xmlns:a14="http://schemas.microsoft.com/office/drawing/2010/main">
+                <a:solidFill>
+                  <a:srgbClr val="FFFFFF"/>
+                </a:solidFill>
+              </a14:hiddenFill>
+            </a:ext>
+          </a:extLst>
+        </p:spPr>
+        <p:txBody>
+          <a:bodyPr vert="horz" wrap="square" lIns="91440" tIns="45720" rIns="91440" bIns="45720" numCol="1" anchor="t" anchorCtr="0" compatLnSpc="1">
+            <a:prstTxWarp prst="textNoShape">
+              <a:avLst/>
+            </a:prstTxWarp>
+          </a:bodyPr>
+          <a:lstStyle/>
+          <a:p>
+            <a:endParaRPr lang="es-ES"/>
+          </a:p>
+        </p:txBody>
+      </p:sp>
+    </p:spTree>
+    <p:extLst>
+      <p:ext uri="{BB962C8B-B14F-4D97-AF65-F5344CB8AC3E}">
+        <p14:creationId xmlns:p14="http://schemas.microsoft.com/office/powerpoint/2010/main" val="361308955"/>
+      </p:ext>
+    </p:extLst>
+  </p:cSld>
+  <p:clrMapOvr>
+    <a:masterClrMapping/>
+  </p:clrMapOvr>
+  <mc:AlternateContent xmlns:mc="http://schemas.openxmlformats.org/markup-compatibility/2006">
+    <mc:Choice xmlns:p14="http://schemas.microsoft.com/office/powerpoint/2010/main" Requires="p14">
+      <p:transition spd="slow" p14:dur="1500">
+        <p:split orient="vert"/>
+      </p:transition>
+    </mc:Choice>
+    <mc:Fallback>
+      <p:transition spd="slow">
+        <p:split orient="vert"/>
+      </p:transition>
+    </mc:Fallback>
+  </mc:AlternateContent>
+</p:sld>
+</file>
+
+<file path=ppt/slides/slide11.xml><?xml version="1.0" encoding="utf-8"?>
+<p:sld xmlns:a="http://schemas.openxmlformats.org/drawingml/2006/main" xmlns:r="http://schemas.openxmlformats.org/officeDocument/2006/relationships" xmlns:p="http://schemas.openxmlformats.org/presentationml/2006/main">
+  <p:cSld>
+    <p:spTree>
+      <p:nvGrpSpPr>
+        <p:cNvPr id="1" name=""/>
+        <p:cNvGrpSpPr/>
+        <p:nvPr/>
+      </p:nvGrpSpPr>
+      <p:grpSpPr>
+        <a:xfrm>
+          <a:off x="0" y="0"/>
+          <a:ext cx="0" cy="0"/>
+          <a:chOff x="0" y="0"/>
+          <a:chExt cx="0" cy="0"/>
+        </a:xfrm>
+      </p:grpSpPr>
+      <p:sp>
+        <p:nvSpPr>
+          <p:cNvPr id="4" name="TextBox 4"/>
+          <p:cNvSpPr txBox="1"/>
+          <p:nvPr/>
+        </p:nvSpPr>
+        <p:spPr>
+          <a:xfrm>
+            <a:off x="583223" y="419100"/>
+            <a:ext cx="7767627" cy="1378744"/>
+          </a:xfrm>
+          <a:prstGeom prst="rect">
+            <a:avLst/>
+          </a:prstGeom>
+        </p:spPr>
+        <p:txBody>
+          <a:bodyPr lIns="0" tIns="0" rIns="0" bIns="0" rtlCol="0" anchor="t">
+            <a:spAutoFit/>
+          </a:bodyPr>
+          <a:lstStyle/>
+          <a:p>
+            <a:pPr algn="l">
+              <a:lnSpc>
+                <a:spcPts val="10800"/>
+              </a:lnSpc>
+            </a:pPr>
+            <a:r>
+              <a:rPr lang="en-US" sz="9000" b="1" dirty="0">
+                <a:solidFill>
+                  <a:srgbClr val="191919"/>
+                </a:solidFill>
+                <a:latin typeface="Public Sans"/>
+                <a:ea typeface="Public Sans"/>
+                <a:cs typeface="Public Sans"/>
+                <a:sym typeface="Public Sans"/>
+              </a:rPr>
+              <a:t>Gracias!</a:t>
+            </a:r>
+          </a:p>
+        </p:txBody>
+      </p:sp>
+      <p:sp>
+        <p:nvSpPr>
+          <p:cNvPr id="5" name="TextBox 5"/>
+          <p:cNvSpPr txBox="1"/>
+          <p:nvPr/>
+        </p:nvSpPr>
+        <p:spPr>
+          <a:xfrm>
+            <a:off x="453273" y="9548417"/>
+            <a:ext cx="7767627" cy="463525"/>
+          </a:xfrm>
+          <a:prstGeom prst="rect">
+            <a:avLst/>
+          </a:prstGeom>
+        </p:spPr>
+        <p:txBody>
+          <a:bodyPr lIns="0" tIns="0" rIns="0" bIns="0" rtlCol="0" anchor="t">
+            <a:spAutoFit/>
+          </a:bodyPr>
+          <a:lstStyle/>
+          <a:p>
+            <a:pPr algn="l">
+              <a:lnSpc>
+                <a:spcPts val="3900"/>
+              </a:lnSpc>
+            </a:pPr>
+            <a:r>
+              <a:rPr lang="en-US" sz="3000" i="1" dirty="0">
+                <a:solidFill>
+                  <a:srgbClr val="191919"/>
+                </a:solidFill>
+                <a:latin typeface="Public Sans"/>
+                <a:ea typeface="Public Sans"/>
+                <a:cs typeface="Public Sans"/>
+                <a:sym typeface="Public Sans"/>
+              </a:rPr>
+              <a:t>Daniel Garrido Prados</a:t>
+            </a:r>
+            <a:endParaRPr lang="en-US" sz="3000" i="1" dirty="0">
+              <a:solidFill>
+                <a:srgbClr val="FA632A"/>
+              </a:solidFill>
+              <a:latin typeface="Public Sans"/>
+              <a:ea typeface="Public Sans"/>
+              <a:cs typeface="Public Sans"/>
+              <a:sym typeface="Public Sans"/>
+            </a:endParaRPr>
+          </a:p>
+        </p:txBody>
+      </p:sp>
+      <p:sp>
+        <p:nvSpPr>
+          <p:cNvPr id="6" name="AutoShape 6"/>
+          <p:cNvSpPr/>
+          <p:nvPr/>
+        </p:nvSpPr>
+        <p:spPr>
+          <a:xfrm flipV="1">
+            <a:off x="457200" y="2019300"/>
+            <a:ext cx="6324600" cy="0"/>
+          </a:xfrm>
+          <a:prstGeom prst="line">
+            <a:avLst/>
+          </a:prstGeom>
+          <a:ln w="139700" cap="flat">
+            <a:solidFill>
+              <a:srgbClr val="5D9B9B"/>
+            </a:solidFill>
+            <a:prstDash val="solid"/>
+            <a:headEnd type="none" w="sm" len="sm"/>
+            <a:tailEnd type="none" w="sm" len="sm"/>
+          </a:ln>
+        </p:spPr>
+      </p:sp>
+      <p:pic>
+        <p:nvPicPr>
+          <p:cNvPr id="10" name="Gráfico 9" descr="Monitor con relleno sólido">
+            <a:extLst>
+              <a:ext uri="{FF2B5EF4-FFF2-40B4-BE49-F238E27FC236}">
+                <a16:creationId xmlns:a16="http://schemas.microsoft.com/office/drawing/2014/main" id="{976CDD20-821E-4464-87E4-32DF02D5D0F3}"/>
+              </a:ext>
+            </a:extLst>
+          </p:cNvPr>
+          <p:cNvPicPr>
+            <a:picLocks noChangeAspect="1"/>
+          </p:cNvPicPr>
+          <p:nvPr/>
+        </p:nvPicPr>
+        <p:blipFill>
+          <a:blip r:embed="rId2">
+            <a:extLst>
+              <a:ext uri="{28A0092B-C50C-407E-A947-70E740481C1C}">
+                <a14:useLocalDpi xmlns:a14="http://schemas.microsoft.com/office/drawing/2010/main" val="0"/>
+              </a:ext>
+              <a:ext uri="{96DAC541-7B7A-43D3-8B79-37D633B846F1}">
+                <asvg:svgBlip xmlns:asvg="http://schemas.microsoft.com/office/drawing/2016/SVG/main" r:embed="rId3"/>
+              </a:ext>
+            </a:extLst>
+          </a:blip>
+          <a:stretch>
+            <a:fillRect/>
+          </a:stretch>
+        </p:blipFill>
+        <p:spPr>
+          <a:xfrm>
+            <a:off x="8220900" y="996095"/>
+            <a:ext cx="10436902" cy="10360702"/>
+          </a:xfrm>
+          <a:prstGeom prst="rect">
+            <a:avLst/>
+          </a:prstGeom>
+        </p:spPr>
+      </p:pic>
+      <p:pic>
+        <p:nvPicPr>
+          <p:cNvPr id="9" name="Imagen 8">
+            <a:extLst>
+              <a:ext uri="{FF2B5EF4-FFF2-40B4-BE49-F238E27FC236}">
+                <a16:creationId xmlns:a16="http://schemas.microsoft.com/office/drawing/2014/main" id="{24E5DCD2-68FF-47CF-8A7F-2020C2E99EF1}"/>
+              </a:ext>
+            </a:extLst>
+          </p:cNvPr>
+          <p:cNvPicPr>
+            <a:picLocks noChangeAspect="1"/>
+          </p:cNvPicPr>
+          <p:nvPr/>
+        </p:nvPicPr>
+        <p:blipFill>
+          <a:blip r:embed="rId4" cstate="print">
+            <a:extLst>
+              <a:ext uri="{28A0092B-C50C-407E-A947-70E740481C1C}">
+                <a14:useLocalDpi xmlns:a14="http://schemas.microsoft.com/office/drawing/2010/main" val="0"/>
+              </a:ext>
+            </a:extLst>
+          </a:blip>
+          <a:stretch>
+            <a:fillRect/>
+          </a:stretch>
+        </p:blipFill>
+        <p:spPr>
+          <a:xfrm>
+            <a:off x="11201400" y="3238500"/>
+            <a:ext cx="4515160" cy="4515160"/>
+          </a:xfrm>
+          <a:prstGeom prst="rect">
+            <a:avLst/>
+          </a:prstGeom>
+        </p:spPr>
+      </p:pic>
+      <p:pic>
+        <p:nvPicPr>
+          <p:cNvPr id="4098" name="Picture 2" descr="Feliz Grupo De Personas Celebrando Juntos | Elementos graficos Plantilla  EPS Descarga Gratuita - Pikbest">
+            <a:extLst>
+              <a:ext uri="{FF2B5EF4-FFF2-40B4-BE49-F238E27FC236}">
+                <a16:creationId xmlns:a16="http://schemas.microsoft.com/office/drawing/2014/main" id="{386D2CD6-0A25-426C-BC35-0CC9A4B354FF}"/>
+              </a:ext>
+            </a:extLst>
+          </p:cNvPr>
+          <p:cNvPicPr>
+            <a:picLocks noChangeAspect="1" noChangeArrowheads="1"/>
+          </p:cNvPicPr>
+          <p:nvPr/>
+        </p:nvPicPr>
+        <p:blipFill>
+          <a:blip r:embed="rId5">
+            <a:extLst>
+              <a:ext uri="{28A0092B-C50C-407E-A947-70E740481C1C}">
+                <a14:useLocalDpi xmlns:a14="http://schemas.microsoft.com/office/drawing/2010/main" val="0"/>
+              </a:ext>
+            </a:extLst>
+          </a:blip>
+          <a:srcRect/>
+          <a:stretch>
+            <a:fillRect/>
+          </a:stretch>
+        </p:blipFill>
+        <p:spPr bwMode="auto">
+          <a:xfrm>
+            <a:off x="280850" y="3683832"/>
+            <a:ext cx="7259242" cy="4210360"/>
+          </a:xfrm>
+          <a:prstGeom prst="rect">
+            <a:avLst/>
+          </a:prstGeom>
+          <a:noFill/>
+          <a:extLst>
+            <a:ext uri="{909E8E84-426E-40DD-AFC4-6F175D3DCCD1}">
+              <a14:hiddenFill xmlns:a14="http://schemas.microsoft.com/office/drawing/2010/main">
+                <a:solidFill>
+                  <a:srgbClr val="FFFFFF"/>
+                </a:solidFill>
+              </a14:hiddenFill>
+            </a:ext>
+          </a:extLst>
+        </p:spPr>
+      </p:pic>
+      <p:pic>
+        <p:nvPicPr>
+          <p:cNvPr id="12" name="Imagen 11">
+            <a:extLst>
+              <a:ext uri="{FF2B5EF4-FFF2-40B4-BE49-F238E27FC236}">
+                <a16:creationId xmlns:a16="http://schemas.microsoft.com/office/drawing/2014/main" id="{29573775-C44C-4602-A7D1-CA6C599102D2}"/>
+              </a:ext>
+            </a:extLst>
+          </p:cNvPr>
+          <p:cNvPicPr>
+            <a:picLocks noChangeAspect="1"/>
+          </p:cNvPicPr>
+          <p:nvPr/>
+        </p:nvPicPr>
+        <p:blipFill rotWithShape="1">
+          <a:blip r:embed="rId6">
+            <a:extLst>
+              <a:ext uri="{28A0092B-C50C-407E-A947-70E740481C1C}">
+                <a14:useLocalDpi xmlns:a14="http://schemas.microsoft.com/office/drawing/2010/main" val="0"/>
+              </a:ext>
+            </a:extLst>
+          </a:blip>
+          <a:srcRect l="9440" t="39163" r="8746" b="38811"/>
+          <a:stretch/>
+        </p:blipFill>
+        <p:spPr>
+          <a:xfrm>
+            <a:off x="10481054" y="194346"/>
+            <a:ext cx="5955852" cy="1603498"/>
+          </a:xfrm>
+          <a:prstGeom prst="rect">
+            <a:avLst/>
+          </a:prstGeom>
+        </p:spPr>
+      </p:pic>
+    </p:spTree>
+  </p:cSld>
+  <p:clrMapOvr>
+    <a:masterClrMapping/>
+  </p:clrMapOvr>
+  <mc:AlternateContent xmlns:mc="http://schemas.openxmlformats.org/markup-compatibility/2006" xmlns:p14="http://schemas.microsoft.com/office/powerpoint/2010/main">
+    <mc:Choice Requires="p14">
+      <p:transition spd="med" p14:dur="700">
+        <p:fade/>
+      </p:transition>
+    </mc:Choice>
+    <mc:Fallback xmlns="">
+      <p:transition spd="med">
+        <p:fade/>
+      </p:transition>
+    </mc:Fallback>
+  </mc:AlternateContent>
+</p:sld>
+</file>
+
 <file path=ppt/slides/slide2.xml><?xml version="1.0" encoding="utf-8"?>
+<p:sld xmlns:a="http://schemas.openxmlformats.org/drawingml/2006/main" xmlns:r="http://schemas.openxmlformats.org/officeDocument/2006/relationships" xmlns:p="http://schemas.openxmlformats.org/presentationml/2006/main">
+  <p:cSld>
+    <p:bg>
+      <p:bgPr>
+        <a:solidFill>
+          <a:srgbClr val="5D9B9B"/>
+        </a:solidFill>
+        <a:effectLst/>
+      </p:bgPr>
+    </p:bg>
+    <p:spTree>
+      <p:nvGrpSpPr>
+        <p:cNvPr id="1" name=""/>
+        <p:cNvGrpSpPr/>
+        <p:nvPr/>
+      </p:nvGrpSpPr>
+      <p:grpSpPr>
+        <a:xfrm>
+          <a:off x="0" y="0"/>
+          <a:ext cx="0" cy="0"/>
+          <a:chOff x="0" y="0"/>
+          <a:chExt cx="0" cy="0"/>
+        </a:xfrm>
+      </p:grpSpPr>
+      <p:grpSp>
+        <p:nvGrpSpPr>
+          <p:cNvPr id="3" name="Group 3"/>
+          <p:cNvGrpSpPr/>
+          <p:nvPr/>
+        </p:nvGrpSpPr>
+        <p:grpSpPr>
+          <a:xfrm>
+            <a:off x="1295400" y="4661648"/>
+            <a:ext cx="7739195" cy="4444252"/>
+            <a:chOff x="124239" y="-66675"/>
+            <a:chExt cx="10318927" cy="5925670"/>
+          </a:xfrm>
+        </p:grpSpPr>
+        <p:sp>
+          <p:nvSpPr>
+            <p:cNvPr id="4" name="TextBox 4"/>
+            <p:cNvSpPr txBox="1"/>
+            <p:nvPr/>
+          </p:nvSpPr>
+          <p:spPr>
+            <a:xfrm>
+              <a:off x="127000" y="1611370"/>
+              <a:ext cx="10316166" cy="2726267"/>
+            </a:xfrm>
+            <a:prstGeom prst="rect">
+              <a:avLst/>
+            </a:prstGeom>
+          </p:spPr>
+          <p:txBody>
+            <a:bodyPr lIns="0" tIns="0" rIns="0" bIns="0" rtlCol="0" anchor="t">
+              <a:spAutoFit/>
+            </a:bodyPr>
+            <a:lstStyle/>
+            <a:p>
+              <a:pPr algn="l">
+                <a:lnSpc>
+                  <a:spcPts val="15400"/>
+                </a:lnSpc>
+              </a:pPr>
+              <a:endParaRPr lang="en-US" sz="14000" dirty="0">
+                <a:solidFill>
+                  <a:srgbClr val="FFFFFF"/>
+                </a:solidFill>
+                <a:latin typeface="Public Sans"/>
+                <a:ea typeface="Public Sans"/>
+                <a:cs typeface="Public Sans"/>
+                <a:sym typeface="Public Sans"/>
+              </a:endParaRPr>
+            </a:p>
+          </p:txBody>
+        </p:sp>
+        <p:sp>
+          <p:nvSpPr>
+            <p:cNvPr id="5" name="TextBox 5"/>
+            <p:cNvSpPr txBox="1"/>
+            <p:nvPr/>
+          </p:nvSpPr>
+          <p:spPr>
+            <a:xfrm>
+              <a:off x="127000" y="5302223"/>
+              <a:ext cx="10316166" cy="556772"/>
+            </a:xfrm>
+            <a:prstGeom prst="rect">
+              <a:avLst/>
+            </a:prstGeom>
+          </p:spPr>
+          <p:txBody>
+            <a:bodyPr lIns="0" tIns="0" rIns="0" bIns="0" rtlCol="0" anchor="t">
+              <a:spAutoFit/>
+            </a:bodyPr>
+            <a:lstStyle/>
+            <a:p>
+              <a:pPr algn="l">
+                <a:lnSpc>
+                  <a:spcPts val="3499"/>
+                </a:lnSpc>
+              </a:pPr>
+              <a:r>
+                <a:rPr lang="en-US" sz="2800" dirty="0">
+                  <a:solidFill>
+                    <a:srgbClr val="FFFFFF"/>
+                  </a:solidFill>
+                  <a:latin typeface="Public Sans"/>
+                  <a:ea typeface="Public Sans"/>
+                  <a:cs typeface="Public Sans"/>
+                  <a:sym typeface="Public Sans"/>
+                </a:rPr>
+                <a:t>Your Interview Training</a:t>
+              </a:r>
+            </a:p>
+          </p:txBody>
+        </p:sp>
+        <p:sp>
+          <p:nvSpPr>
+            <p:cNvPr id="6" name="TextBox 6"/>
+            <p:cNvSpPr txBox="1"/>
+            <p:nvPr/>
+          </p:nvSpPr>
+          <p:spPr>
+            <a:xfrm>
+              <a:off x="127000" y="-66675"/>
+              <a:ext cx="10316166" cy="1150585"/>
+            </a:xfrm>
+            <a:prstGeom prst="rect">
+              <a:avLst/>
+            </a:prstGeom>
+          </p:spPr>
+          <p:txBody>
+            <a:bodyPr lIns="0" tIns="0" rIns="0" bIns="0" rtlCol="0" anchor="t">
+              <a:spAutoFit/>
+            </a:bodyPr>
+            <a:lstStyle/>
+            <a:p>
+              <a:pPr algn="l">
+                <a:lnSpc>
+                  <a:spcPts val="3500"/>
+                </a:lnSpc>
+              </a:pPr>
+              <a:r>
+                <a:rPr lang="en-US" sz="2500" b="1" dirty="0">
+                  <a:latin typeface="Public Sans Bold"/>
+                  <a:ea typeface="Public Sans Bold"/>
+                  <a:cs typeface="Public Sans Bold"/>
+                  <a:sym typeface="Public Sans Bold"/>
+                </a:rPr>
+                <a:t>DE LA PRÁCTICA AL ÉXITO: </a:t>
+              </a:r>
+            </a:p>
+            <a:p>
+              <a:pPr algn="l">
+                <a:lnSpc>
+                  <a:spcPts val="3500"/>
+                </a:lnSpc>
+              </a:pPr>
+              <a:r>
+                <a:rPr lang="en-US" sz="2500" b="1" dirty="0">
+                  <a:latin typeface="Public Sans Bold"/>
+                  <a:ea typeface="Public Sans Bold"/>
+                  <a:cs typeface="Public Sans Bold"/>
+                  <a:sym typeface="Public Sans Bold"/>
+                </a:rPr>
+                <a:t>TU ENTREVISTA PERFECTA ESTÁ A UN CLICK.</a:t>
+              </a:r>
+            </a:p>
+          </p:txBody>
+        </p:sp>
+        <p:sp>
+          <p:nvSpPr>
+            <p:cNvPr id="7" name="AutoShape 7"/>
+            <p:cNvSpPr/>
+            <p:nvPr/>
+          </p:nvSpPr>
+          <p:spPr>
+            <a:xfrm>
+              <a:off x="124239" y="4676154"/>
+              <a:ext cx="10316166" cy="0"/>
+            </a:xfrm>
+            <a:prstGeom prst="line">
+              <a:avLst/>
+            </a:prstGeom>
+            <a:ln w="139700" cap="flat">
+              <a:solidFill>
+                <a:schemeClr val="tx1"/>
+              </a:solidFill>
+              <a:prstDash val="solid"/>
+              <a:headEnd type="none" w="sm" len="sm"/>
+              <a:tailEnd type="none" w="sm" len="sm"/>
+            </a:ln>
+          </p:spPr>
+        </p:sp>
+      </p:grpSp>
+      <p:pic>
+        <p:nvPicPr>
+          <p:cNvPr id="1028" name="Picture 4" descr="Cómo enfrentar un ascenso en mi trabajo? - Orientador Laboral">
+            <a:extLst>
+              <a:ext uri="{FF2B5EF4-FFF2-40B4-BE49-F238E27FC236}">
+                <a16:creationId xmlns:a16="http://schemas.microsoft.com/office/drawing/2014/main" id="{73E523BA-EEC3-44D2-A0FC-8FF8F57FABA8}"/>
+              </a:ext>
+            </a:extLst>
+          </p:cNvPr>
+          <p:cNvPicPr>
+            <a:picLocks noChangeAspect="1" noChangeArrowheads="1"/>
+          </p:cNvPicPr>
+          <p:nvPr/>
+        </p:nvPicPr>
+        <p:blipFill rotWithShape="1">
+          <a:blip r:embed="rId2">
+            <a:extLst>
+              <a:ext uri="{28A0092B-C50C-407E-A947-70E740481C1C}">
+                <a14:useLocalDpi xmlns:a14="http://schemas.microsoft.com/office/drawing/2010/main" val="0"/>
+              </a:ext>
+            </a:extLst>
+          </a:blip>
+          <a:srcRect l="17582"/>
+          <a:stretch/>
+        </p:blipFill>
+        <p:spPr bwMode="auto">
+          <a:xfrm>
+            <a:off x="9525000" y="649515"/>
+            <a:ext cx="7946346" cy="5270666"/>
+          </a:xfrm>
+          <a:prstGeom prst="rect">
+            <a:avLst/>
+          </a:prstGeom>
+          <a:noFill/>
+          <a:extLst>
+            <a:ext uri="{909E8E84-426E-40DD-AFC4-6F175D3DCCD1}">
+              <a14:hiddenFill xmlns:a14="http://schemas.microsoft.com/office/drawing/2010/main">
+                <a:solidFill>
+                  <a:srgbClr val="FFFFFF"/>
+                </a:solidFill>
+              </a14:hiddenFill>
+            </a:ext>
+          </a:extLst>
+        </p:spPr>
+      </p:pic>
+      <p:pic>
+        <p:nvPicPr>
+          <p:cNvPr id="12" name="Imagen 11">
+            <a:extLst>
+              <a:ext uri="{FF2B5EF4-FFF2-40B4-BE49-F238E27FC236}">
+                <a16:creationId xmlns:a16="http://schemas.microsoft.com/office/drawing/2014/main" id="{BDCC8F7D-1609-412F-A40A-C2D821140765}"/>
+              </a:ext>
+            </a:extLst>
+          </p:cNvPr>
+          <p:cNvPicPr>
+            <a:picLocks noChangeAspect="1"/>
+          </p:cNvPicPr>
+          <p:nvPr/>
+        </p:nvPicPr>
+        <p:blipFill rotWithShape="1">
+          <a:blip r:embed="rId3">
+            <a:extLst>
+              <a:ext uri="{28A0092B-C50C-407E-A947-70E740481C1C}">
+                <a14:useLocalDpi xmlns:a14="http://schemas.microsoft.com/office/drawing/2010/main" val="0"/>
+              </a:ext>
+            </a:extLst>
+          </a:blip>
+          <a:srcRect l="6795" t="39881" r="8395" b="39021"/>
+          <a:stretch/>
+        </p:blipFill>
+        <p:spPr>
+          <a:xfrm>
+            <a:off x="990600" y="6248027"/>
+            <a:ext cx="6188548" cy="1539466"/>
+          </a:xfrm>
+          <a:prstGeom prst="rect">
+            <a:avLst/>
+          </a:prstGeom>
+        </p:spPr>
+      </p:pic>
+      <p:pic>
+        <p:nvPicPr>
+          <p:cNvPr id="1030" name="Picture 6" descr="símbolo del cursor del ratón sobre fondo transparente 17178335 PNG">
+            <a:extLst>
+              <a:ext uri="{FF2B5EF4-FFF2-40B4-BE49-F238E27FC236}">
+                <a16:creationId xmlns:a16="http://schemas.microsoft.com/office/drawing/2014/main" id="{0A209752-5091-4F1C-BF82-75EE2096173C}"/>
+              </a:ext>
+            </a:extLst>
+          </p:cNvPr>
+          <p:cNvPicPr>
+            <a:picLocks noChangeAspect="1" noChangeArrowheads="1"/>
+          </p:cNvPicPr>
+          <p:nvPr/>
+        </p:nvPicPr>
+        <p:blipFill>
+          <a:blip r:embed="rId4" cstate="print">
+            <a:extLst>
+              <a:ext uri="{28A0092B-C50C-407E-A947-70E740481C1C}">
+                <a14:useLocalDpi xmlns:a14="http://schemas.microsoft.com/office/drawing/2010/main" val="0"/>
+              </a:ext>
+            </a:extLst>
+          </a:blip>
+          <a:srcRect/>
+          <a:stretch>
+            <a:fillRect/>
+          </a:stretch>
+        </p:blipFill>
+        <p:spPr bwMode="auto">
+          <a:xfrm>
+            <a:off x="3733800" y="7079325"/>
+            <a:ext cx="974252" cy="974252"/>
+          </a:xfrm>
+          <a:prstGeom prst="rect">
+            <a:avLst/>
+          </a:prstGeom>
+          <a:noFill/>
+          <a:extLst>
+            <a:ext uri="{909E8E84-426E-40DD-AFC4-6F175D3DCCD1}">
+              <a14:hiddenFill xmlns:a14="http://schemas.microsoft.com/office/drawing/2010/main">
+                <a:solidFill>
+                  <a:srgbClr val="FFFFFF"/>
+                </a:solidFill>
+              </a14:hiddenFill>
+            </a:ext>
+          </a:extLst>
+        </p:spPr>
+      </p:pic>
+    </p:spTree>
+    <p:extLst>
+      <p:ext uri="{BB962C8B-B14F-4D97-AF65-F5344CB8AC3E}">
+        <p14:creationId xmlns:p14="http://schemas.microsoft.com/office/powerpoint/2010/main" val="153390029"/>
+      </p:ext>
+    </p:extLst>
+  </p:cSld>
+  <p:clrMapOvr>
+    <a:masterClrMapping/>
+  </p:clrMapOvr>
+  <mc:AlternateContent xmlns:mc="http://schemas.openxmlformats.org/markup-compatibility/2006">
+    <mc:Choice xmlns:p159="http://schemas.microsoft.com/office/powerpoint/2015/09/main" Requires="p159">
+      <p:transition xmlns:p14="http://schemas.microsoft.com/office/powerpoint/2010/main" spd="slow" p14:dur="2000" advClick="0" advTm="500">
+        <p159:morph option="byObject"/>
+      </p:transition>
+    </mc:Choice>
+    <mc:Fallback>
+      <p:transition spd="slow" advClick="0" advTm="500">
+        <p:fade/>
+      </p:transition>
+    </mc:Fallback>
+  </mc:AlternateContent>
+</p:sld>
+</file>
+
+<file path=ppt/slides/slide3.xml><?xml version="1.0" encoding="utf-8"?>
 <p:sld xmlns:a="http://schemas.openxmlformats.org/drawingml/2006/main" xmlns:r="http://schemas.openxmlformats.org/officeDocument/2006/relationships" xmlns:p="http://schemas.openxmlformats.org/presentationml/2006/main">
   <p:cSld>
     <p:bg>
@@ -4535,7 +5624,7 @@
 </p:sld>
 </file>
 
-<file path=ppt/slides/slide3.xml><?xml version="1.0" encoding="utf-8"?>
+<file path=ppt/slides/slide4.xml><?xml version="1.0" encoding="utf-8"?>
 <p:sld xmlns:a="http://schemas.openxmlformats.org/drawingml/2006/main" xmlns:r="http://schemas.openxmlformats.org/officeDocument/2006/relationships" xmlns:p="http://schemas.openxmlformats.org/presentationml/2006/main">
   <p:cSld>
     <p:bg>
@@ -4775,13 +5864,13 @@
   <p:clrMapOvr>
     <a:masterClrMapping/>
   </p:clrMapOvr>
-  <mc:AlternateContent xmlns:mc="http://schemas.openxmlformats.org/markup-compatibility/2006">
-    <mc:Choice xmlns:p159="http://schemas.microsoft.com/office/powerpoint/2015/09/main" Requires="p159">
+  <mc:AlternateContent xmlns:mc="http://schemas.openxmlformats.org/markup-compatibility/2006" xmlns:p159="http://schemas.microsoft.com/office/powerpoint/2015/09/main">
+    <mc:Choice Requires="p159">
       <p:transition xmlns:p14="http://schemas.microsoft.com/office/powerpoint/2010/main" spd="slow" p14:dur="2000">
         <p159:morph option="byObject"/>
       </p:transition>
     </mc:Choice>
-    <mc:Fallback>
+    <mc:Fallback xmlns="">
       <p:transition spd="slow">
         <p:fade/>
       </p:transition>
@@ -4790,7 +5879,7 @@
 </p:sld>
 </file>
 
-<file path=ppt/slides/slide4.xml><?xml version="1.0" encoding="utf-8"?>
+<file path=ppt/slides/slide5.xml><?xml version="1.0" encoding="utf-8"?>
 <p:sld xmlns:a="http://schemas.openxmlformats.org/drawingml/2006/main" xmlns:r="http://schemas.openxmlformats.org/officeDocument/2006/relationships" xmlns:p="http://schemas.openxmlformats.org/presentationml/2006/main">
   <p:cSld>
     <p:bg>
@@ -4860,873 +5949,13 @@
   <p:clrMapOvr>
     <a:masterClrMapping/>
   </p:clrMapOvr>
-  <mc:AlternateContent xmlns:mc="http://schemas.openxmlformats.org/markup-compatibility/2006">
-    <mc:Choice xmlns:p159="http://schemas.microsoft.com/office/powerpoint/2015/09/main" Requires="p159">
+  <mc:AlternateContent xmlns:mc="http://schemas.openxmlformats.org/markup-compatibility/2006" xmlns:p159="http://schemas.microsoft.com/office/powerpoint/2015/09/main">
+    <mc:Choice Requires="p159">
       <p:transition xmlns:p14="http://schemas.microsoft.com/office/powerpoint/2010/main" spd="slow" p14:dur="2000">
         <p159:morph option="byObject"/>
       </p:transition>
     </mc:Choice>
-    <mc:Fallback>
-      <p:transition spd="slow">
-        <p:fade/>
-      </p:transition>
-    </mc:Fallback>
-  </mc:AlternateContent>
-</p:sld>
-</file>
-
-<file path=ppt/slides/slide5.xml><?xml version="1.0" encoding="utf-8"?>
-<p:sld xmlns:a="http://schemas.openxmlformats.org/drawingml/2006/main" xmlns:r="http://schemas.openxmlformats.org/officeDocument/2006/relationships" xmlns:p="http://schemas.openxmlformats.org/presentationml/2006/main">
-  <p:cSld>
-    <p:spTree>
-      <p:nvGrpSpPr>
-        <p:cNvPr id="1" name=""/>
-        <p:cNvGrpSpPr/>
-        <p:nvPr/>
-      </p:nvGrpSpPr>
-      <p:grpSpPr>
-        <a:xfrm>
-          <a:off x="0" y="0"/>
-          <a:ext cx="0" cy="0"/>
-          <a:chOff x="0" y="0"/>
-          <a:chExt cx="0" cy="0"/>
-        </a:xfrm>
-      </p:grpSpPr>
-      <p:sp>
-        <p:nvSpPr>
-          <p:cNvPr id="2" name="TextBox 2"/>
-          <p:cNvSpPr txBox="1"/>
-          <p:nvPr/>
-        </p:nvSpPr>
-        <p:spPr>
-          <a:xfrm>
-            <a:off x="1298204" y="786705"/>
-            <a:ext cx="9674596" cy="1384995"/>
-          </a:xfrm>
-          <a:prstGeom prst="rect">
-            <a:avLst/>
-          </a:prstGeom>
-        </p:spPr>
-        <p:txBody>
-          <a:bodyPr wrap="square" lIns="0" tIns="0" rIns="0" bIns="0" rtlCol="0" anchor="t">
-            <a:spAutoFit/>
-          </a:bodyPr>
-          <a:lstStyle/>
-          <a:p>
-            <a:pPr algn="l">
-              <a:lnSpc>
-                <a:spcPts val="10800"/>
-              </a:lnSpc>
-            </a:pPr>
-            <a:r>
-              <a:rPr lang="en-US" sz="9000" dirty="0">
-                <a:solidFill>
-                  <a:srgbClr val="555251"/>
-                </a:solidFill>
-                <a:latin typeface="Public Sans"/>
-                <a:ea typeface="Public Sans"/>
-                <a:cs typeface="Public Sans"/>
-                <a:sym typeface="Public Sans"/>
-              </a:rPr>
-              <a:t>Proceso</a:t>
-            </a:r>
-            <a:r>
-              <a:rPr lang="en-US" sz="9000" dirty="0">
-                <a:solidFill>
-                  <a:srgbClr val="FA632A"/>
-                </a:solidFill>
-                <a:latin typeface="Public Sans"/>
-                <a:ea typeface="Public Sans"/>
-                <a:cs typeface="Public Sans"/>
-                <a:sym typeface="Public Sans"/>
-              </a:rPr>
-              <a:t> </a:t>
-            </a:r>
-            <a:r>
-              <a:rPr lang="en-US" sz="9000" dirty="0">
-                <a:solidFill>
-                  <a:srgbClr val="5D9B9B"/>
-                </a:solidFill>
-                <a:latin typeface="Public Sans"/>
-                <a:ea typeface="Public Sans"/>
-                <a:cs typeface="Public Sans"/>
-                <a:sym typeface="Public Sans"/>
-              </a:rPr>
-              <a:t>Web</a:t>
-            </a:r>
-          </a:p>
-        </p:txBody>
-      </p:sp>
-      <p:sp>
-        <p:nvSpPr>
-          <p:cNvPr id="37" name="Flecha: a la derecha con bandas 36">
-            <a:extLst>
-              <a:ext uri="{FF2B5EF4-FFF2-40B4-BE49-F238E27FC236}">
-                <a16:creationId xmlns:a16="http://schemas.microsoft.com/office/drawing/2014/main" id="{B5849DBB-9F40-4630-B114-3B2B35C82DAC}"/>
-              </a:ext>
-            </a:extLst>
-          </p:cNvPr>
-          <p:cNvSpPr/>
-          <p:nvPr/>
-        </p:nvSpPr>
-        <p:spPr>
-          <a:xfrm>
-            <a:off x="4267200" y="3695700"/>
-            <a:ext cx="14782800" cy="1066800"/>
-          </a:xfrm>
-          <a:prstGeom prst="stripedRightArrow">
-            <a:avLst/>
-          </a:prstGeom>
-          <a:solidFill>
-            <a:srgbClr val="5D9B9B"/>
-          </a:solidFill>
-          <a:ln>
-            <a:noFill/>
-          </a:ln>
-        </p:spPr>
-        <p:style>
-          <a:lnRef idx="2">
-            <a:schemeClr val="accent1">
-              <a:shade val="50000"/>
-            </a:schemeClr>
-          </a:lnRef>
-          <a:fillRef idx="1">
-            <a:schemeClr val="accent1"/>
-          </a:fillRef>
-          <a:effectRef idx="0">
-            <a:schemeClr val="accent1"/>
-          </a:effectRef>
-          <a:fontRef idx="minor">
-            <a:schemeClr val="lt1"/>
-          </a:fontRef>
-        </p:style>
-        <p:txBody>
-          <a:bodyPr rtlCol="0" anchor="ctr"/>
-          <a:lstStyle/>
-          <a:p>
-            <a:pPr algn="ctr"/>
-            <a:endParaRPr lang="es-ES">
-              <a:solidFill>
-                <a:srgbClr val="5D9B9B"/>
-              </a:solidFill>
-            </a:endParaRPr>
-          </a:p>
-        </p:txBody>
-      </p:sp>
-      <p:sp>
-        <p:nvSpPr>
-          <p:cNvPr id="41" name="CuadroTexto 40">
-            <a:extLst>
-              <a:ext uri="{FF2B5EF4-FFF2-40B4-BE49-F238E27FC236}">
-                <a16:creationId xmlns:a16="http://schemas.microsoft.com/office/drawing/2014/main" id="{DA5FA4DD-8CCD-4BB9-98F0-63E20B11A5B0}"/>
-              </a:ext>
-            </a:extLst>
-          </p:cNvPr>
-          <p:cNvSpPr txBox="1"/>
-          <p:nvPr/>
-        </p:nvSpPr>
-        <p:spPr>
-          <a:xfrm>
-            <a:off x="2524125" y="5232113"/>
-            <a:ext cx="3486150" cy="584775"/>
-          </a:xfrm>
-          <a:prstGeom prst="rect">
-            <a:avLst/>
-          </a:prstGeom>
-          <a:noFill/>
-        </p:spPr>
-        <p:txBody>
-          <a:bodyPr wrap="square" rtlCol="0">
-            <a:spAutoFit/>
-          </a:bodyPr>
-          <a:lstStyle/>
-          <a:p>
-            <a:r>
-              <a:rPr lang="es-ES" sz="3200" b="1" dirty="0">
-                <a:effectLst>
-                  <a:outerShdw blurRad="38100" dist="38100" dir="2700000" algn="tl">
-                    <a:srgbClr val="000000">
-                      <a:alpha val="43137"/>
-                    </a:srgbClr>
-                  </a:outerShdw>
-                </a:effectLst>
-                <a:latin typeface="Public Sans" panose="020B0604020202020204" charset="0"/>
-              </a:rPr>
-              <a:t>INPUT: 1# </a:t>
-            </a:r>
-            <a:r>
-              <a:rPr lang="es-ES" sz="3200" b="1" dirty="0" err="1">
-                <a:effectLst>
-                  <a:outerShdw blurRad="38100" dist="38100" dir="2700000" algn="tl">
-                    <a:srgbClr val="000000">
-                      <a:alpha val="43137"/>
-                    </a:srgbClr>
-                  </a:outerShdw>
-                </a:effectLst>
-                <a:latin typeface="Public Sans" panose="020B0604020202020204" charset="0"/>
-              </a:rPr>
-              <a:t>Prompt</a:t>
-            </a:r>
-            <a:endParaRPr lang="es-ES" sz="3200" b="1" dirty="0">
-              <a:effectLst>
-                <a:outerShdw blurRad="38100" dist="38100" dir="2700000" algn="tl">
-                  <a:srgbClr val="000000">
-                    <a:alpha val="43137"/>
-                  </a:srgbClr>
-                </a:outerShdw>
-              </a:effectLst>
-              <a:latin typeface="Public Sans" panose="020B0604020202020204" charset="0"/>
-            </a:endParaRPr>
-          </a:p>
-        </p:txBody>
-      </p:sp>
-      <p:sp>
-        <p:nvSpPr>
-          <p:cNvPr id="43" name="CuadroTexto 42">
-            <a:extLst>
-              <a:ext uri="{FF2B5EF4-FFF2-40B4-BE49-F238E27FC236}">
-                <a16:creationId xmlns:a16="http://schemas.microsoft.com/office/drawing/2014/main" id="{D7F0D45C-B48B-4535-A9DA-AB12D63CC14F}"/>
-              </a:ext>
-            </a:extLst>
-          </p:cNvPr>
-          <p:cNvSpPr txBox="1"/>
-          <p:nvPr/>
-        </p:nvSpPr>
-        <p:spPr>
-          <a:xfrm>
-            <a:off x="2443162" y="6024891"/>
-            <a:ext cx="3648075" cy="523220"/>
-          </a:xfrm>
-          <a:prstGeom prst="rect">
-            <a:avLst/>
-          </a:prstGeom>
-          <a:noFill/>
-        </p:spPr>
-        <p:txBody>
-          <a:bodyPr wrap="square" rtlCol="0">
-            <a:spAutoFit/>
-          </a:bodyPr>
-          <a:lstStyle/>
-          <a:p>
-            <a:r>
-              <a:rPr lang="es-ES" sz="2800" dirty="0">
-                <a:latin typeface="Public Sans" panose="020B0604020202020204" charset="0"/>
-              </a:rPr>
-              <a:t>Campo de entrevista</a:t>
-            </a:r>
-          </a:p>
-        </p:txBody>
-      </p:sp>
-      <p:sp>
-        <p:nvSpPr>
-          <p:cNvPr id="44" name="CuadroTexto 43">
-            <a:extLst>
-              <a:ext uri="{FF2B5EF4-FFF2-40B4-BE49-F238E27FC236}">
-                <a16:creationId xmlns:a16="http://schemas.microsoft.com/office/drawing/2014/main" id="{D84AF429-40E5-42A8-BC23-7BD03465A1A1}"/>
-              </a:ext>
-            </a:extLst>
-          </p:cNvPr>
-          <p:cNvSpPr txBox="1"/>
-          <p:nvPr/>
-        </p:nvSpPr>
-        <p:spPr>
-          <a:xfrm>
-            <a:off x="2443161" y="6896100"/>
-            <a:ext cx="3648075" cy="1686552"/>
-          </a:xfrm>
-          <a:prstGeom prst="rect">
-            <a:avLst/>
-          </a:prstGeom>
-          <a:noFill/>
-        </p:spPr>
-        <p:txBody>
-          <a:bodyPr wrap="square" rtlCol="0">
-            <a:spAutoFit/>
-          </a:bodyPr>
-          <a:lstStyle/>
-          <a:p>
-            <a:pPr algn="ctr">
-              <a:lnSpc>
-                <a:spcPct val="150000"/>
-              </a:lnSpc>
-            </a:pPr>
-            <a:r>
-              <a:rPr lang="es-ES" sz="2400" i="1" dirty="0">
-                <a:latin typeface="Public Sans" panose="020B0604020202020204" charset="0"/>
-              </a:rPr>
-              <a:t>Data </a:t>
-            </a:r>
-            <a:r>
-              <a:rPr lang="es-ES" sz="2400" i="1" dirty="0" err="1">
-                <a:latin typeface="Public Sans" panose="020B0604020202020204" charset="0"/>
-              </a:rPr>
-              <a:t>Science</a:t>
-            </a:r>
-            <a:endParaRPr lang="es-ES" sz="2400" i="1" dirty="0">
-              <a:latin typeface="Public Sans" panose="020B0604020202020204" charset="0"/>
-            </a:endParaRPr>
-          </a:p>
-          <a:p>
-            <a:pPr algn="ctr">
-              <a:lnSpc>
-                <a:spcPct val="150000"/>
-              </a:lnSpc>
-            </a:pPr>
-            <a:r>
-              <a:rPr lang="es-ES" sz="2400" i="1" dirty="0">
-                <a:latin typeface="Public Sans" panose="020B0604020202020204" charset="0"/>
-              </a:rPr>
-              <a:t>Finanzas</a:t>
-            </a:r>
-          </a:p>
-          <a:p>
-            <a:pPr algn="ctr">
-              <a:lnSpc>
-                <a:spcPct val="150000"/>
-              </a:lnSpc>
-            </a:pPr>
-            <a:r>
-              <a:rPr lang="es-ES" sz="2400" i="1" dirty="0">
-                <a:latin typeface="Public Sans" panose="020B0604020202020204" charset="0"/>
-              </a:rPr>
-              <a:t>Marketing digital</a:t>
-            </a:r>
-          </a:p>
-        </p:txBody>
-      </p:sp>
-      <p:sp>
-        <p:nvSpPr>
-          <p:cNvPr id="47" name="CuadroTexto 46">
-            <a:extLst>
-              <a:ext uri="{FF2B5EF4-FFF2-40B4-BE49-F238E27FC236}">
-                <a16:creationId xmlns:a16="http://schemas.microsoft.com/office/drawing/2014/main" id="{07D93F5C-9CC8-4AB6-ABED-E715D73C59E0}"/>
-              </a:ext>
-            </a:extLst>
-          </p:cNvPr>
-          <p:cNvSpPr txBox="1"/>
-          <p:nvPr/>
-        </p:nvSpPr>
-        <p:spPr>
-          <a:xfrm>
-            <a:off x="10144124" y="5232112"/>
-            <a:ext cx="4029076" cy="584775"/>
-          </a:xfrm>
-          <a:prstGeom prst="rect">
-            <a:avLst/>
-          </a:prstGeom>
-          <a:noFill/>
-        </p:spPr>
-        <p:txBody>
-          <a:bodyPr wrap="square" rtlCol="0">
-            <a:spAutoFit/>
-          </a:bodyPr>
-          <a:lstStyle/>
-          <a:p>
-            <a:r>
-              <a:rPr lang="es-ES" sz="3200" b="1" dirty="0">
-                <a:effectLst>
-                  <a:outerShdw blurRad="38100" dist="38100" dir="2700000" algn="tl">
-                    <a:srgbClr val="000000">
-                      <a:alpha val="43137"/>
-                    </a:srgbClr>
-                  </a:outerShdw>
-                </a:effectLst>
-                <a:latin typeface="Public Sans" panose="020B0604020202020204" charset="0"/>
-              </a:rPr>
-              <a:t>OUTPUT: 1# API </a:t>
-            </a:r>
-            <a:r>
-              <a:rPr lang="es-ES" sz="3200" b="1" dirty="0" err="1">
-                <a:effectLst>
-                  <a:outerShdw blurRad="38100" dist="38100" dir="2700000" algn="tl">
-                    <a:srgbClr val="000000">
-                      <a:alpha val="43137"/>
-                    </a:srgbClr>
-                  </a:outerShdw>
-                </a:effectLst>
-                <a:latin typeface="Public Sans" panose="020B0604020202020204" charset="0"/>
-              </a:rPr>
-              <a:t>call</a:t>
-            </a:r>
-            <a:endParaRPr lang="es-ES" sz="3200" b="1" dirty="0">
-              <a:effectLst>
-                <a:outerShdw blurRad="38100" dist="38100" dir="2700000" algn="tl">
-                  <a:srgbClr val="000000">
-                    <a:alpha val="43137"/>
-                  </a:srgbClr>
-                </a:outerShdw>
-              </a:effectLst>
-              <a:latin typeface="Public Sans" panose="020B0604020202020204" charset="0"/>
-            </a:endParaRPr>
-          </a:p>
-        </p:txBody>
-      </p:sp>
-      <p:sp>
-        <p:nvSpPr>
-          <p:cNvPr id="48" name="CuadroTexto 47">
-            <a:extLst>
-              <a:ext uri="{FF2B5EF4-FFF2-40B4-BE49-F238E27FC236}">
-                <a16:creationId xmlns:a16="http://schemas.microsoft.com/office/drawing/2014/main" id="{B2BCD3B2-DF0F-4186-8CB6-6A65CE201000}"/>
-              </a:ext>
-            </a:extLst>
-          </p:cNvPr>
-          <p:cNvSpPr txBox="1"/>
-          <p:nvPr/>
-        </p:nvSpPr>
-        <p:spPr>
-          <a:xfrm>
-            <a:off x="10144124" y="6024891"/>
-            <a:ext cx="4181476" cy="523220"/>
-          </a:xfrm>
-          <a:prstGeom prst="rect">
-            <a:avLst/>
-          </a:prstGeom>
-          <a:noFill/>
-        </p:spPr>
-        <p:txBody>
-          <a:bodyPr wrap="square" rtlCol="0">
-            <a:spAutoFit/>
-          </a:bodyPr>
-          <a:lstStyle/>
-          <a:p>
-            <a:pPr algn="ctr"/>
-            <a:r>
-              <a:rPr lang="es-ES" sz="2800" dirty="0">
-                <a:latin typeface="Public Sans" panose="020B0604020202020204" charset="0"/>
-              </a:rPr>
-              <a:t>Preguntas de entrevista</a:t>
-            </a:r>
-          </a:p>
-        </p:txBody>
-      </p:sp>
-      <p:sp>
-        <p:nvSpPr>
-          <p:cNvPr id="49" name="CuadroTexto 48">
-            <a:extLst>
-              <a:ext uri="{FF2B5EF4-FFF2-40B4-BE49-F238E27FC236}">
-                <a16:creationId xmlns:a16="http://schemas.microsoft.com/office/drawing/2014/main" id="{73E5C47F-6A5F-4ECE-B326-89BC696E71BE}"/>
-              </a:ext>
-            </a:extLst>
-          </p:cNvPr>
-          <p:cNvSpPr txBox="1"/>
-          <p:nvPr/>
-        </p:nvSpPr>
-        <p:spPr>
-          <a:xfrm>
-            <a:off x="10417429" y="6896100"/>
-            <a:ext cx="3648075" cy="1132554"/>
-          </a:xfrm>
-          <a:prstGeom prst="rect">
-            <a:avLst/>
-          </a:prstGeom>
-          <a:noFill/>
-        </p:spPr>
-        <p:txBody>
-          <a:bodyPr wrap="square" rtlCol="0">
-            <a:spAutoFit/>
-          </a:bodyPr>
-          <a:lstStyle/>
-          <a:p>
-            <a:pPr algn="ctr">
-              <a:lnSpc>
-                <a:spcPct val="150000"/>
-              </a:lnSpc>
-            </a:pPr>
-            <a:r>
-              <a:rPr lang="es-ES" sz="2400" i="1" dirty="0">
-                <a:latin typeface="Public Sans" panose="020B0604020202020204" charset="0"/>
-              </a:rPr>
-              <a:t>1. ¿--------------?</a:t>
-            </a:r>
-          </a:p>
-          <a:p>
-            <a:pPr algn="ctr">
-              <a:lnSpc>
-                <a:spcPct val="150000"/>
-              </a:lnSpc>
-            </a:pPr>
-            <a:r>
-              <a:rPr lang="es-ES" sz="2400" i="1" dirty="0">
-                <a:latin typeface="Public Sans" panose="020B0604020202020204" charset="0"/>
-              </a:rPr>
-              <a:t>2. ¿--------------?</a:t>
-            </a:r>
-          </a:p>
-        </p:txBody>
-      </p:sp>
-      <p:cxnSp>
-        <p:nvCxnSpPr>
-          <p:cNvPr id="52" name="Conector recto 51">
-            <a:extLst>
-              <a:ext uri="{FF2B5EF4-FFF2-40B4-BE49-F238E27FC236}">
-                <a16:creationId xmlns:a16="http://schemas.microsoft.com/office/drawing/2014/main" id="{DC7A1C42-0D59-45F2-8464-19868C410A3C}"/>
-              </a:ext>
-            </a:extLst>
-          </p:cNvPr>
-          <p:cNvCxnSpPr>
-            <a:cxnSpLocks/>
-          </p:cNvCxnSpPr>
-          <p:nvPr/>
-        </p:nvCxnSpPr>
-        <p:spPr>
-          <a:xfrm flipH="1">
-            <a:off x="14554200" y="3829288"/>
-            <a:ext cx="914400" cy="778679"/>
-          </a:xfrm>
-          <a:prstGeom prst="line">
-            <a:avLst/>
-          </a:prstGeom>
-          <a:ln w="76200">
-            <a:solidFill>
-              <a:schemeClr val="bg1"/>
-            </a:solidFill>
-          </a:ln>
-        </p:spPr>
-        <p:style>
-          <a:lnRef idx="1">
-            <a:schemeClr val="accent1"/>
-          </a:lnRef>
-          <a:fillRef idx="0">
-            <a:schemeClr val="accent1"/>
-          </a:fillRef>
-          <a:effectRef idx="0">
-            <a:schemeClr val="accent1"/>
-          </a:effectRef>
-          <a:fontRef idx="minor">
-            <a:schemeClr val="tx1"/>
-          </a:fontRef>
-        </p:style>
-      </p:cxnSp>
-      <p:cxnSp>
-        <p:nvCxnSpPr>
-          <p:cNvPr id="54" name="Conector recto 53">
-            <a:extLst>
-              <a:ext uri="{FF2B5EF4-FFF2-40B4-BE49-F238E27FC236}">
-                <a16:creationId xmlns:a16="http://schemas.microsoft.com/office/drawing/2014/main" id="{C94524B0-063D-4E43-ACC4-C00603FCD008}"/>
-              </a:ext>
-            </a:extLst>
-          </p:cNvPr>
-          <p:cNvCxnSpPr>
-            <a:cxnSpLocks/>
-          </p:cNvCxnSpPr>
-          <p:nvPr/>
-        </p:nvCxnSpPr>
-        <p:spPr>
-          <a:xfrm flipH="1">
-            <a:off x="8953500" y="3839760"/>
-            <a:ext cx="914400" cy="778679"/>
-          </a:xfrm>
-          <a:prstGeom prst="line">
-            <a:avLst/>
-          </a:prstGeom>
-          <a:ln w="76200">
-            <a:solidFill>
-              <a:schemeClr val="bg1"/>
-            </a:solidFill>
-          </a:ln>
-        </p:spPr>
-        <p:style>
-          <a:lnRef idx="1">
-            <a:schemeClr val="accent1"/>
-          </a:lnRef>
-          <a:fillRef idx="0">
-            <a:schemeClr val="accent1"/>
-          </a:fillRef>
-          <a:effectRef idx="0">
-            <a:schemeClr val="accent1"/>
-          </a:effectRef>
-          <a:fontRef idx="minor">
-            <a:schemeClr val="tx1"/>
-          </a:fontRef>
-        </p:style>
-      </p:cxnSp>
-      <p:sp>
-        <p:nvSpPr>
-          <p:cNvPr id="24" name="Elipse 23">
-            <a:extLst>
-              <a:ext uri="{FF2B5EF4-FFF2-40B4-BE49-F238E27FC236}">
-                <a16:creationId xmlns:a16="http://schemas.microsoft.com/office/drawing/2014/main" id="{50714A40-4096-4765-A018-857B3829140F}"/>
-              </a:ext>
-            </a:extLst>
-          </p:cNvPr>
-          <p:cNvSpPr/>
-          <p:nvPr/>
-        </p:nvSpPr>
-        <p:spPr>
-          <a:xfrm>
-            <a:off x="7305677" y="8147047"/>
-            <a:ext cx="2171700" cy="871209"/>
-          </a:xfrm>
-          <a:prstGeom prst="ellipse">
-            <a:avLst/>
-          </a:prstGeom>
-          <a:noFill/>
-          <a:ln>
-            <a:solidFill>
-              <a:srgbClr val="5D9B9B"/>
-            </a:solidFill>
-          </a:ln>
-        </p:spPr>
-        <p:style>
-          <a:lnRef idx="2">
-            <a:schemeClr val="accent1">
-              <a:shade val="50000"/>
-            </a:schemeClr>
-          </a:lnRef>
-          <a:fillRef idx="1">
-            <a:schemeClr val="accent1"/>
-          </a:fillRef>
-          <a:effectRef idx="0">
-            <a:schemeClr val="accent1"/>
-          </a:effectRef>
-          <a:fontRef idx="minor">
-            <a:schemeClr val="lt1"/>
-          </a:fontRef>
-        </p:style>
-        <p:txBody>
-          <a:bodyPr rtlCol="0" anchor="ctr"/>
-          <a:lstStyle/>
-          <a:p>
-            <a:pPr algn="ctr"/>
-            <a:r>
-              <a:rPr lang="es-ES" sz="4000" dirty="0">
-                <a:solidFill>
-                  <a:srgbClr val="5D9B9B"/>
-                </a:solidFill>
-              </a:rPr>
-              <a:t>DB</a:t>
-            </a:r>
-            <a:r>
-              <a:rPr lang="es-ES" sz="4000" baseline="-25000" dirty="0">
-                <a:solidFill>
-                  <a:srgbClr val="5D9B9B"/>
-                </a:solidFill>
-              </a:rPr>
-              <a:t>1</a:t>
-            </a:r>
-          </a:p>
-        </p:txBody>
-      </p:sp>
-      <p:pic>
-        <p:nvPicPr>
-          <p:cNvPr id="25" name="Gráfico 24" descr="Flecha: curva ligera con relleno sólido">
-            <a:extLst>
-              <a:ext uri="{FF2B5EF4-FFF2-40B4-BE49-F238E27FC236}">
-                <a16:creationId xmlns:a16="http://schemas.microsoft.com/office/drawing/2014/main" id="{CB3FBDD7-FCED-43D0-AC5E-2F138E754F2C}"/>
-              </a:ext>
-            </a:extLst>
-          </p:cNvPr>
-          <p:cNvPicPr>
-            <a:picLocks noChangeAspect="1"/>
-          </p:cNvPicPr>
-          <p:nvPr/>
-        </p:nvPicPr>
-        <p:blipFill>
-          <a:blip r:embed="rId2">
-            <a:extLst>
-              <a:ext uri="{28A0092B-C50C-407E-A947-70E740481C1C}">
-                <a14:useLocalDpi xmlns:a14="http://schemas.microsoft.com/office/drawing/2010/main" val="0"/>
-              </a:ext>
-              <a:ext uri="{96DAC541-7B7A-43D3-8B79-37D633B846F1}">
-                <asvg:svgBlip xmlns:asvg="http://schemas.microsoft.com/office/drawing/2016/SVG/main" r:embed="rId3"/>
-              </a:ext>
-            </a:extLst>
-          </a:blip>
-          <a:stretch>
-            <a:fillRect/>
-          </a:stretch>
-        </p:blipFill>
-        <p:spPr>
-          <a:xfrm rot="8304406">
-            <a:off x="9421236" y="7372686"/>
-            <a:ext cx="1060187" cy="1060187"/>
-          </a:xfrm>
-          <a:prstGeom prst="rect">
-            <a:avLst/>
-          </a:prstGeom>
-        </p:spPr>
-      </p:pic>
-      <p:pic>
-        <p:nvPicPr>
-          <p:cNvPr id="26" name="Gráfico 25" descr="Flecha: curva ligera con relleno sólido">
-            <a:extLst>
-              <a:ext uri="{FF2B5EF4-FFF2-40B4-BE49-F238E27FC236}">
-                <a16:creationId xmlns:a16="http://schemas.microsoft.com/office/drawing/2014/main" id="{334CCD4C-9BD2-43BB-956C-A3B99D7CCD6E}"/>
-              </a:ext>
-            </a:extLst>
-          </p:cNvPr>
-          <p:cNvPicPr>
-            <a:picLocks noChangeAspect="1"/>
-          </p:cNvPicPr>
-          <p:nvPr/>
-        </p:nvPicPr>
-        <p:blipFill>
-          <a:blip r:embed="rId2">
-            <a:extLst>
-              <a:ext uri="{28A0092B-C50C-407E-A947-70E740481C1C}">
-                <a14:useLocalDpi xmlns:a14="http://schemas.microsoft.com/office/drawing/2010/main" val="0"/>
-              </a:ext>
-              <a:ext uri="{96DAC541-7B7A-43D3-8B79-37D633B846F1}">
-                <asvg:svgBlip xmlns:asvg="http://schemas.microsoft.com/office/drawing/2016/SVG/main" r:embed="rId3"/>
-              </a:ext>
-            </a:extLst>
-          </a:blip>
-          <a:stretch>
-            <a:fillRect/>
-          </a:stretch>
-        </p:blipFill>
-        <p:spPr>
-          <a:xfrm rot="2327776">
-            <a:off x="6030307" y="7498561"/>
-            <a:ext cx="1060187" cy="1060187"/>
-          </a:xfrm>
-          <a:prstGeom prst="rect">
-            <a:avLst/>
-          </a:prstGeom>
-        </p:spPr>
-      </p:pic>
-      <p:sp>
-        <p:nvSpPr>
-          <p:cNvPr id="27" name="CuadroTexto 26">
-            <a:extLst>
-              <a:ext uri="{FF2B5EF4-FFF2-40B4-BE49-F238E27FC236}">
-                <a16:creationId xmlns:a16="http://schemas.microsoft.com/office/drawing/2014/main" id="{75E00399-22E7-4136-8AA0-65B18A57B527}"/>
-              </a:ext>
-            </a:extLst>
-          </p:cNvPr>
-          <p:cNvSpPr txBox="1"/>
-          <p:nvPr/>
-        </p:nvSpPr>
-        <p:spPr>
-          <a:xfrm>
-            <a:off x="6567489" y="9178715"/>
-            <a:ext cx="3648075" cy="587020"/>
-          </a:xfrm>
-          <a:prstGeom prst="rect">
-            <a:avLst/>
-          </a:prstGeom>
-          <a:noFill/>
-        </p:spPr>
-        <p:txBody>
-          <a:bodyPr wrap="square" rtlCol="0">
-            <a:spAutoFit/>
-          </a:bodyPr>
-          <a:lstStyle/>
-          <a:p>
-            <a:pPr algn="ctr">
-              <a:lnSpc>
-                <a:spcPct val="150000"/>
-              </a:lnSpc>
-            </a:pPr>
-            <a:r>
-              <a:rPr lang="es-ES" sz="2400" b="0" dirty="0" err="1">
-                <a:effectLst/>
-                <a:latin typeface="Consolas" panose="020B0609020204030204" pitchFamily="49" charset="0"/>
-              </a:rPr>
-              <a:t>session_id</a:t>
-            </a:r>
-            <a:endParaRPr lang="es-ES" sz="2400" b="0" dirty="0">
-              <a:effectLst/>
-              <a:latin typeface="Consolas" panose="020B0609020204030204" pitchFamily="49" charset="0"/>
-            </a:endParaRPr>
-          </a:p>
-        </p:txBody>
-      </p:sp>
-      <p:pic>
-        <p:nvPicPr>
-          <p:cNvPr id="2050" name="Picture 2" descr="Persona Dudosa PNG ,dibujos Pintado A Mano, Personaje, Expresión PNG y PSD  para Descargar Gratis | Pngtree">
-            <a:extLst>
-              <a:ext uri="{FF2B5EF4-FFF2-40B4-BE49-F238E27FC236}">
-                <a16:creationId xmlns:a16="http://schemas.microsoft.com/office/drawing/2014/main" id="{65BFB50E-C26D-4357-AF28-2F2CA5A1D373}"/>
-              </a:ext>
-            </a:extLst>
-          </p:cNvPr>
-          <p:cNvPicPr>
-            <a:picLocks noChangeAspect="1" noChangeArrowheads="1"/>
-          </p:cNvPicPr>
-          <p:nvPr/>
-        </p:nvPicPr>
-        <p:blipFill>
-          <a:blip r:embed="rId4" cstate="print">
-            <a:extLst>
-              <a:ext uri="{28A0092B-C50C-407E-A947-70E740481C1C}">
-                <a14:useLocalDpi xmlns:a14="http://schemas.microsoft.com/office/drawing/2010/main" val="0"/>
-              </a:ext>
-            </a:extLst>
-          </a:blip>
-          <a:srcRect/>
-          <a:stretch>
-            <a:fillRect/>
-          </a:stretch>
-        </p:blipFill>
-        <p:spPr bwMode="auto">
-          <a:xfrm>
-            <a:off x="15026640" y="2496682"/>
-            <a:ext cx="2189618" cy="2189618"/>
-          </a:xfrm>
-          <a:prstGeom prst="rect">
-            <a:avLst/>
-          </a:prstGeom>
-          <a:noFill/>
-          <a:extLst>
-            <a:ext uri="{909E8E84-426E-40DD-AFC4-6F175D3DCCD1}">
-              <a14:hiddenFill xmlns:a14="http://schemas.microsoft.com/office/drawing/2010/main">
-                <a:solidFill>
-                  <a:srgbClr val="FFFFFF"/>
-                </a:solidFill>
-              </a14:hiddenFill>
-            </a:ext>
-          </a:extLst>
-        </p:spPr>
-      </p:pic>
-      <p:pic>
-        <p:nvPicPr>
-          <p:cNvPr id="9" name="Imagen 8">
-            <a:extLst>
-              <a:ext uri="{FF2B5EF4-FFF2-40B4-BE49-F238E27FC236}">
-                <a16:creationId xmlns:a16="http://schemas.microsoft.com/office/drawing/2014/main" id="{B6246DEB-B8DB-48B1-A64D-16C8CF364788}"/>
-              </a:ext>
-            </a:extLst>
-          </p:cNvPr>
-          <p:cNvPicPr>
-            <a:picLocks noChangeAspect="1"/>
-          </p:cNvPicPr>
-          <p:nvPr/>
-        </p:nvPicPr>
-        <p:blipFill>
-          <a:blip r:embed="rId5" cstate="print">
-            <a:extLst>
-              <a:ext uri="{28A0092B-C50C-407E-A947-70E740481C1C}">
-                <a14:useLocalDpi xmlns:a14="http://schemas.microsoft.com/office/drawing/2010/main" val="0"/>
-              </a:ext>
-            </a:extLst>
-          </a:blip>
-          <a:stretch>
-            <a:fillRect/>
-          </a:stretch>
-        </p:blipFill>
-        <p:spPr>
-          <a:xfrm>
-            <a:off x="2971800" y="2786300"/>
-            <a:ext cx="1371600" cy="1714500"/>
-          </a:xfrm>
-          <a:prstGeom prst="rect">
-            <a:avLst/>
-          </a:prstGeom>
-        </p:spPr>
-      </p:pic>
-    </p:spTree>
-  </p:cSld>
-  <p:clrMapOvr>
-    <a:masterClrMapping/>
-  </p:clrMapOvr>
-  <mc:AlternateContent xmlns:mc="http://schemas.openxmlformats.org/markup-compatibility/2006">
-    <mc:Choice xmlns:p159="http://schemas.microsoft.com/office/powerpoint/2015/09/main" Requires="p159">
-      <p:transition xmlns:p14="http://schemas.microsoft.com/office/powerpoint/2010/main" spd="slow" p14:dur="2000">
-        <p159:morph option="byObject"/>
-      </p:transition>
-    </mc:Choice>
-    <mc:Fallback>
+    <mc:Fallback xmlns="">
       <p:transition spd="slow">
         <p:fade/>
       </p:transition>
@@ -5754,6 +5983,71 @@
       </p:grpSpPr>
       <p:sp>
         <p:nvSpPr>
+          <p:cNvPr id="2" name="TextBox 2"/>
+          <p:cNvSpPr txBox="1"/>
+          <p:nvPr/>
+        </p:nvSpPr>
+        <p:spPr>
+          <a:xfrm>
+            <a:off x="1298204" y="786705"/>
+            <a:ext cx="9674596" cy="1384995"/>
+          </a:xfrm>
+          <a:prstGeom prst="rect">
+            <a:avLst/>
+          </a:prstGeom>
+        </p:spPr>
+        <p:txBody>
+          <a:bodyPr wrap="square" lIns="0" tIns="0" rIns="0" bIns="0" rtlCol="0" anchor="t">
+            <a:spAutoFit/>
+          </a:bodyPr>
+          <a:lstStyle/>
+          <a:p>
+            <a:pPr algn="l">
+              <a:lnSpc>
+                <a:spcPts val="10800"/>
+              </a:lnSpc>
+            </a:pPr>
+            <a:r>
+              <a:rPr lang="en-US" sz="9000" dirty="0">
+                <a:solidFill>
+                  <a:srgbClr val="555251"/>
+                </a:solidFill>
+                <a:latin typeface="Public Sans"/>
+                <a:ea typeface="Public Sans"/>
+                <a:cs typeface="Public Sans"/>
+                <a:sym typeface="Public Sans"/>
+              </a:rPr>
+              <a:t>Proceso</a:t>
+            </a:r>
+            <a:r>
+              <a:rPr lang="en-US" sz="9000" dirty="0">
+                <a:solidFill>
+                  <a:srgbClr val="FA632A"/>
+                </a:solidFill>
+                <a:latin typeface="Public Sans"/>
+                <a:ea typeface="Public Sans"/>
+                <a:cs typeface="Public Sans"/>
+                <a:sym typeface="Public Sans"/>
+              </a:rPr>
+              <a:t> </a:t>
+            </a:r>
+            <a:r>
+              <a:rPr lang="en-US" sz="9000" dirty="0">
+                <a:solidFill>
+                  <a:srgbClr val="5D9B9B"/>
+                </a:solidFill>
+                <a:latin typeface="Public Sans"/>
+                <a:ea typeface="Public Sans"/>
+                <a:cs typeface="Public Sans"/>
+                <a:sym typeface="Public Sans"/>
+              </a:rPr>
+              <a:t>Web</a:t>
+            </a:r>
+          </a:p>
+        </p:txBody>
+      </p:sp>
+      <p:sp>
+        <p:nvSpPr>
           <p:cNvPr id="37" name="Flecha: a la derecha con bandas 36">
             <a:extLst>
               <a:ext uri="{FF2B5EF4-FFF2-40B4-BE49-F238E27FC236}">
@@ -5766,8 +6060,8 @@
         </p:nvSpPr>
         <p:spPr>
           <a:xfrm>
-            <a:off x="-838200" y="3695700"/>
-            <a:ext cx="17983200" cy="1066800"/>
+            <a:off x="4267200" y="3695700"/>
+            <a:ext cx="14782800" cy="1066800"/>
           </a:xfrm>
           <a:prstGeom prst="stripedRightArrow">
             <a:avLst/>
@@ -5800,16 +6094,20 @@
           <a:lstStyle/>
           <a:p>
             <a:pPr algn="ctr"/>
-            <a:endParaRPr lang="es-ES"/>
+            <a:endParaRPr lang="es-ES">
+              <a:solidFill>
+                <a:srgbClr val="5D9B9B"/>
+              </a:solidFill>
+            </a:endParaRPr>
           </a:p>
         </p:txBody>
       </p:sp>
       <p:sp>
         <p:nvSpPr>
-          <p:cNvPr id="5" name="CuadroTexto 4">
+          <p:cNvPr id="41" name="CuadroTexto 40">
             <a:extLst>
               <a:ext uri="{FF2B5EF4-FFF2-40B4-BE49-F238E27FC236}">
-                <a16:creationId xmlns:a16="http://schemas.microsoft.com/office/drawing/2014/main" id="{50C425AD-3215-48F8-812C-9002CE505F57}"/>
+                <a16:creationId xmlns:a16="http://schemas.microsoft.com/office/drawing/2014/main" id="{DA5FA4DD-8CCD-4BB9-98F0-63E20B11A5B0}"/>
               </a:ext>
             </a:extLst>
           </p:cNvPr>
@@ -5818,8 +6116,8 @@
         </p:nvSpPr>
         <p:spPr>
           <a:xfrm>
-            <a:off x="3514724" y="5232113"/>
-            <a:ext cx="3567111" cy="584775"/>
+            <a:off x="2524125" y="5232113"/>
+            <a:ext cx="3486150" cy="584775"/>
           </a:xfrm>
           <a:prstGeom prst="rect">
             <a:avLst/>
@@ -5843,7 +6141,7 @@
                 </a:effectLst>
                 <a:latin typeface="Public Sans" panose="020B0604020202020204" charset="0"/>
               </a:rPr>
-              <a:t>INPUT: 2# </a:t>
+              <a:t>INPUT: 1# </a:t>
             </a:r>
             <a:r>
               <a:rPr lang="es-ES" sz="3200" b="1" dirty="0" err="1">
@@ -5873,10 +6171,10 @@
       </p:sp>
       <p:sp>
         <p:nvSpPr>
-          <p:cNvPr id="6" name="CuadroTexto 5">
+          <p:cNvPr id="43" name="CuadroTexto 42">
             <a:extLst>
               <a:ext uri="{FF2B5EF4-FFF2-40B4-BE49-F238E27FC236}">
-                <a16:creationId xmlns:a16="http://schemas.microsoft.com/office/drawing/2014/main" id="{54DEA919-6542-4DEA-A3FB-5A2A29CCDB22}"/>
+                <a16:creationId xmlns:a16="http://schemas.microsoft.com/office/drawing/2014/main" id="{D7F0D45C-B48B-4535-A9DA-AB12D63CC14F}"/>
               </a:ext>
             </a:extLst>
           </p:cNvPr>
@@ -5885,8 +6183,8 @@
         </p:nvSpPr>
         <p:spPr>
           <a:xfrm>
-            <a:off x="3433762" y="6024891"/>
-            <a:ext cx="3805238" cy="523220"/>
+            <a:off x="2443162" y="6024891"/>
+            <a:ext cx="3648075" cy="523220"/>
           </a:xfrm>
           <a:prstGeom prst="rect">
             <a:avLst/>
@@ -5903,17 +6201,17 @@
               <a:rPr lang="es-ES" sz="2800" dirty="0">
                 <a:latin typeface="Public Sans" panose="020B0604020202020204" charset="0"/>
               </a:rPr>
-              <a:t>Respuesta preguntas</a:t>
+              <a:t>Campo de entrevista</a:t>
             </a:r>
           </a:p>
         </p:txBody>
       </p:sp>
       <p:sp>
         <p:nvSpPr>
-          <p:cNvPr id="7" name="CuadroTexto 6">
+          <p:cNvPr id="44" name="CuadroTexto 43">
             <a:extLst>
               <a:ext uri="{FF2B5EF4-FFF2-40B4-BE49-F238E27FC236}">
-                <a16:creationId xmlns:a16="http://schemas.microsoft.com/office/drawing/2014/main" id="{0AB82D0A-3B25-4ADD-8827-3C57FE04E572}"/>
+                <a16:creationId xmlns:a16="http://schemas.microsoft.com/office/drawing/2014/main" id="{D84AF429-40E5-42A8-BC23-7BD03465A1A1}"/>
               </a:ext>
             </a:extLst>
           </p:cNvPr>
@@ -5922,8 +6220,8 @@
         </p:nvSpPr>
         <p:spPr>
           <a:xfrm>
-            <a:off x="3433761" y="6896100"/>
-            <a:ext cx="3648075" cy="578556"/>
+            <a:off x="2443161" y="6896100"/>
+            <a:ext cx="3648075" cy="1686552"/>
           </a:xfrm>
           <a:prstGeom prst="rect">
             <a:avLst/>
@@ -5945,17 +6243,52 @@
               <a:rPr lang="es-ES" sz="2400" i="1" dirty="0">
                 <a:latin typeface="Public Sans" panose="020B0604020202020204" charset="0"/>
               </a:rPr>
-              <a:t>En mi opinión….</a:t>
+              <a:t>Data </a:t>
+            </a:r>
+            <a:r>
+              <a:rPr lang="es-ES" sz="2400" i="1" dirty="0" err="1">
+                <a:latin typeface="Public Sans" panose="020B0604020202020204" charset="0"/>
+              </a:rPr>
+              <a:t>Science</a:t>
+            </a:r>
+            <a:endParaRPr lang="es-ES" sz="2400" i="1" dirty="0">
+              <a:latin typeface="Public Sans" panose="020B0604020202020204" charset="0"/>
+            </a:endParaRPr>
+          </a:p>
+          <a:p>
+            <a:pPr algn="ctr">
+              <a:lnSpc>
+                <a:spcPct val="150000"/>
+              </a:lnSpc>
+            </a:pPr>
+            <a:r>
+              <a:rPr lang="es-ES" sz="2400" i="1" dirty="0">
+                <a:latin typeface="Public Sans" panose="020B0604020202020204" charset="0"/>
+              </a:rPr>
+              <a:t>Finanzas</a:t>
+            </a:r>
+          </a:p>
+          <a:p>
+            <a:pPr algn="ctr">
+              <a:lnSpc>
+                <a:spcPct val="150000"/>
+              </a:lnSpc>
+            </a:pPr>
+            <a:r>
+              <a:rPr lang="es-ES" sz="2400" i="1" dirty="0">
+                <a:latin typeface="Public Sans" panose="020B0604020202020204" charset="0"/>
+              </a:rPr>
+              <a:t>Marketing digital</a:t>
             </a:r>
           </a:p>
         </p:txBody>
       </p:sp>
       <p:sp>
         <p:nvSpPr>
-          <p:cNvPr id="8" name="CuadroTexto 7">
+          <p:cNvPr id="47" name="CuadroTexto 46">
             <a:extLst>
               <a:ext uri="{FF2B5EF4-FFF2-40B4-BE49-F238E27FC236}">
-                <a16:creationId xmlns:a16="http://schemas.microsoft.com/office/drawing/2014/main" id="{83CC77C6-7232-4CB9-926F-80B97AEE3E76}"/>
+                <a16:creationId xmlns:a16="http://schemas.microsoft.com/office/drawing/2014/main" id="{07D93F5C-9CC8-4AB6-ABED-E715D73C59E0}"/>
               </a:ext>
             </a:extLst>
           </p:cNvPr>
@@ -5964,7 +6297,7 @@
         </p:nvSpPr>
         <p:spPr>
           <a:xfrm>
-            <a:off x="10699496" y="5232112"/>
+            <a:off x="10144124" y="5232112"/>
             <a:ext cx="4029076" cy="584775"/>
           </a:xfrm>
           <a:prstGeom prst="rect">
@@ -5989,7 +6322,7 @@
                 </a:effectLst>
                 <a:latin typeface="Public Sans" panose="020B0604020202020204" charset="0"/>
               </a:rPr>
-              <a:t>OUTPUT: 2# API </a:t>
+              <a:t>OUTPUT: 1# API </a:t>
             </a:r>
             <a:r>
               <a:rPr lang="es-ES" sz="3200" b="1" dirty="0" err="1">
@@ -6019,10 +6352,10 @@
       </p:sp>
       <p:sp>
         <p:nvSpPr>
-          <p:cNvPr id="9" name="CuadroTexto 8">
+          <p:cNvPr id="48" name="CuadroTexto 47">
             <a:extLst>
               <a:ext uri="{FF2B5EF4-FFF2-40B4-BE49-F238E27FC236}">
-                <a16:creationId xmlns:a16="http://schemas.microsoft.com/office/drawing/2014/main" id="{3177EEE7-A684-4023-9C24-8BB34B21C44C}"/>
+                <a16:creationId xmlns:a16="http://schemas.microsoft.com/office/drawing/2014/main" id="{B2BCD3B2-DF0F-4186-8CB6-6A65CE201000}"/>
               </a:ext>
             </a:extLst>
           </p:cNvPr>
@@ -6031,8 +6364,8 @@
         </p:nvSpPr>
         <p:spPr>
           <a:xfrm>
-            <a:off x="10439400" y="6024891"/>
-            <a:ext cx="4714876" cy="523220"/>
+            <a:off x="10144124" y="6024891"/>
+            <a:ext cx="4181476" cy="523220"/>
           </a:xfrm>
           <a:prstGeom prst="rect">
             <a:avLst/>
@@ -6050,17 +6383,17 @@
               <a:rPr lang="es-ES" sz="2800" dirty="0">
                 <a:latin typeface="Public Sans" panose="020B0604020202020204" charset="0"/>
               </a:rPr>
-              <a:t>Evaluaciones de preguntas</a:t>
+              <a:t>Preguntas de entrevista</a:t>
             </a:r>
           </a:p>
         </p:txBody>
       </p:sp>
       <p:sp>
         <p:nvSpPr>
-          <p:cNvPr id="10" name="CuadroTexto 9">
+          <p:cNvPr id="49" name="CuadroTexto 48">
             <a:extLst>
               <a:ext uri="{FF2B5EF4-FFF2-40B4-BE49-F238E27FC236}">
-                <a16:creationId xmlns:a16="http://schemas.microsoft.com/office/drawing/2014/main" id="{1FF6FBC9-05A6-4967-88DB-CF1A2F94757C}"/>
+                <a16:creationId xmlns:a16="http://schemas.microsoft.com/office/drawing/2014/main" id="{73E5C47F-6A5F-4ECE-B326-89BC696E71BE}"/>
               </a:ext>
             </a:extLst>
           </p:cNvPr>
@@ -6069,7 +6402,7 @@
         </p:nvSpPr>
         <p:spPr>
           <a:xfrm>
-            <a:off x="10972801" y="6896100"/>
+            <a:off x="10417429" y="6896100"/>
             <a:ext cx="3648075" cy="1132554"/>
           </a:xfrm>
           <a:prstGeom prst="rect">
@@ -6092,7 +6425,7 @@
               <a:rPr lang="es-ES" sz="2400" i="1" dirty="0">
                 <a:latin typeface="Public Sans" panose="020B0604020202020204" charset="0"/>
               </a:rPr>
-              <a:t>1. -------------</a:t>
+              <a:t>1. ¿--------------?</a:t>
             </a:r>
           </a:p>
           <a:p>
@@ -6105,17 +6438,17 @@
               <a:rPr lang="es-ES" sz="2400" i="1" dirty="0">
                 <a:latin typeface="Public Sans" panose="020B0604020202020204" charset="0"/>
               </a:rPr>
-              <a:t>2. -------------</a:t>
+              <a:t>2. ¿--------------?</a:t>
             </a:r>
           </a:p>
         </p:txBody>
       </p:sp>
       <p:cxnSp>
         <p:nvCxnSpPr>
-          <p:cNvPr id="11" name="Conector recto 10">
+          <p:cNvPr id="52" name="Conector recto 51">
             <a:extLst>
               <a:ext uri="{FF2B5EF4-FFF2-40B4-BE49-F238E27FC236}">
-                <a16:creationId xmlns:a16="http://schemas.microsoft.com/office/drawing/2014/main" id="{503454EE-681A-4064-94B8-06AACD8A3053}"/>
+                <a16:creationId xmlns:a16="http://schemas.microsoft.com/office/drawing/2014/main" id="{DC7A1C42-0D59-45F2-8464-19868C410A3C}"/>
               </a:ext>
             </a:extLst>
           </p:cNvPr>
@@ -6126,7 +6459,7 @@
         </p:nvCxnSpPr>
         <p:spPr>
           <a:xfrm flipH="1">
-            <a:off x="1298204" y="3829288"/>
+            <a:off x="14554200" y="3829288"/>
             <a:ext cx="914400" cy="778679"/>
           </a:xfrm>
           <a:prstGeom prst="line">
@@ -6155,10 +6488,10 @@
       </p:cxnSp>
       <p:cxnSp>
         <p:nvCxnSpPr>
-          <p:cNvPr id="12" name="Conector recto 11">
+          <p:cNvPr id="54" name="Conector recto 53">
             <a:extLst>
               <a:ext uri="{FF2B5EF4-FFF2-40B4-BE49-F238E27FC236}">
-                <a16:creationId xmlns:a16="http://schemas.microsoft.com/office/drawing/2014/main" id="{D4E73C35-2C31-465E-9321-182A534EAA53}"/>
+                <a16:creationId xmlns:a16="http://schemas.microsoft.com/office/drawing/2014/main" id="{C94524B0-063D-4E43-ACC4-C00603FCD008}"/>
               </a:ext>
             </a:extLst>
           </p:cNvPr>
@@ -6169,50 +6502,7 @@
         </p:nvCxnSpPr>
         <p:spPr>
           <a:xfrm flipH="1">
-            <a:off x="7430902" y="3811542"/>
-            <a:ext cx="914400" cy="778679"/>
-          </a:xfrm>
-          <a:prstGeom prst="line">
-            <a:avLst/>
-          </a:prstGeom>
-          <a:ln w="76200">
-            <a:solidFill>
-              <a:schemeClr val="bg1"/>
-            </a:solidFill>
-          </a:ln>
-        </p:spPr>
-        <p:style>
-          <a:lnRef idx="1">
-            <a:schemeClr val="accent1"/>
-          </a:lnRef>
-          <a:fillRef idx="0">
-            <a:schemeClr val="accent1"/>
-          </a:fillRef>
-          <a:effectRef idx="0">
-            <a:schemeClr val="accent1"/>
-          </a:effectRef>
-          <a:fontRef idx="minor">
-            <a:schemeClr val="tx1"/>
-          </a:fontRef>
-        </p:style>
-      </p:cxnSp>
-      <p:cxnSp>
-        <p:nvCxnSpPr>
-          <p:cNvPr id="13" name="Conector recto 12">
-            <a:extLst>
-              <a:ext uri="{FF2B5EF4-FFF2-40B4-BE49-F238E27FC236}">
-                <a16:creationId xmlns:a16="http://schemas.microsoft.com/office/drawing/2014/main" id="{00D98447-63A8-4ADC-B6E2-7D614A2985F4}"/>
-              </a:ext>
-            </a:extLst>
-          </p:cNvPr>
-          <p:cNvCxnSpPr>
-            <a:cxnSpLocks/>
-          </p:cNvCxnSpPr>
-          <p:nvPr/>
-        </p:nvCxnSpPr>
-        <p:spPr>
-          <a:xfrm flipH="1">
-            <a:off x="13563600" y="3839760"/>
+            <a:off x="8953500" y="3839760"/>
             <a:ext cx="914400" cy="778679"/>
           </a:xfrm>
           <a:prstGeom prst="line">
@@ -6241,10 +6531,10 @@
       </p:cxnSp>
       <p:sp>
         <p:nvSpPr>
-          <p:cNvPr id="14" name="Elipse 13">
+          <p:cNvPr id="24" name="Elipse 23">
             <a:extLst>
               <a:ext uri="{FF2B5EF4-FFF2-40B4-BE49-F238E27FC236}">
-                <a16:creationId xmlns:a16="http://schemas.microsoft.com/office/drawing/2014/main" id="{8E3A656E-3F11-4C38-BE98-618F54E4F165}"/>
+                <a16:creationId xmlns:a16="http://schemas.microsoft.com/office/drawing/2014/main" id="{50714A40-4096-4765-A018-857B3829140F}"/>
               </a:ext>
             </a:extLst>
           </p:cNvPr>
@@ -6253,7 +6543,7 @@
         </p:nvSpPr>
         <p:spPr>
           <a:xfrm>
-            <a:off x="533400" y="5067300"/>
+            <a:off x="7305677" y="8147047"/>
             <a:ext cx="2171700" cy="871209"/>
           </a:xfrm>
           <a:prstGeom prst="ellipse">
@@ -6308,10 +6598,10 @@
       </p:sp>
       <p:pic>
         <p:nvPicPr>
-          <p:cNvPr id="15" name="Gráfico 14" descr="Flecha: curva ligera con relleno sólido">
+          <p:cNvPr id="25" name="Gráfico 24" descr="Flecha: curva ligera con relleno sólido">
             <a:extLst>
               <a:ext uri="{FF2B5EF4-FFF2-40B4-BE49-F238E27FC236}">
-                <a16:creationId xmlns:a16="http://schemas.microsoft.com/office/drawing/2014/main" id="{AB4316DD-D4FA-4BBA-A05D-8E1A0CA183B4}"/>
+                <a16:creationId xmlns:a16="http://schemas.microsoft.com/office/drawing/2014/main" id="{CB3FBDD7-FCED-43D0-AC5E-2F138E754F2C}"/>
               </a:ext>
             </a:extLst>
           </p:cNvPr>
@@ -6336,8 +6626,8 @@
           </a:stretch>
         </p:blipFill>
         <p:spPr>
-          <a:xfrm rot="749777">
-            <a:off x="2318723" y="5733193"/>
+          <a:xfrm rot="8304406">
+            <a:off x="9421236" y="7372686"/>
             <a:ext cx="1060187" cy="1060187"/>
           </a:xfrm>
           <a:prstGeom prst="rect">
@@ -6345,59 +6635,12 @@
           </a:prstGeom>
         </p:spPr>
       </p:pic>
-      <p:sp>
-        <p:nvSpPr>
-          <p:cNvPr id="19" name="CuadroTexto 18">
-            <a:extLst>
-              <a:ext uri="{FF2B5EF4-FFF2-40B4-BE49-F238E27FC236}">
-                <a16:creationId xmlns:a16="http://schemas.microsoft.com/office/drawing/2014/main" id="{E2964224-7DF5-4EF7-84B4-A56F7609B031}"/>
-              </a:ext>
-            </a:extLst>
-          </p:cNvPr>
-          <p:cNvSpPr txBox="1"/>
-          <p:nvPr/>
-        </p:nvSpPr>
-        <p:spPr>
-          <a:xfrm>
-            <a:off x="312529" y="6308502"/>
-            <a:ext cx="2512641" cy="587020"/>
-          </a:xfrm>
-          <a:prstGeom prst="rect">
-            <a:avLst/>
-          </a:prstGeom>
-          <a:noFill/>
-        </p:spPr>
-        <p:txBody>
-          <a:bodyPr wrap="square" rtlCol="0">
-            <a:spAutoFit/>
-          </a:bodyPr>
-          <a:lstStyle/>
-          <a:p>
-            <a:pPr algn="ctr">
-              <a:lnSpc>
-                <a:spcPct val="150000"/>
-              </a:lnSpc>
-            </a:pPr>
-            <a:r>
-              <a:rPr lang="es-ES" sz="2400" b="0" dirty="0" err="1">
-                <a:effectLst/>
-                <a:latin typeface="Consolas" panose="020B0609020204030204" pitchFamily="49" charset="0"/>
-              </a:rPr>
-              <a:t>session_id</a:t>
-            </a:r>
-            <a:endParaRPr lang="es-ES" sz="2400" b="0" dirty="0">
-              <a:effectLst/>
-              <a:latin typeface="Consolas" panose="020B0609020204030204" pitchFamily="49" charset="0"/>
-            </a:endParaRPr>
-          </a:p>
-        </p:txBody>
-      </p:sp>
       <p:pic>
         <p:nvPicPr>
-          <p:cNvPr id="20" name="Imagen 19">
+          <p:cNvPr id="26" name="Gráfico 25" descr="Flecha: curva ligera con relleno sólido">
             <a:extLst>
               <a:ext uri="{FF2B5EF4-FFF2-40B4-BE49-F238E27FC236}">
-                <a16:creationId xmlns:a16="http://schemas.microsoft.com/office/drawing/2014/main" id="{DDAE893D-7088-4726-B668-3D0AC888C475}"/>
+                <a16:creationId xmlns:a16="http://schemas.microsoft.com/office/drawing/2014/main" id="{334CCD4C-9BD2-43BB-956C-A3B99D7CCD6E}"/>
               </a:ext>
             </a:extLst>
           </p:cNvPr>
@@ -6406,21 +6649,25 @@
           </p:cNvPicPr>
           <p:nvPr/>
         </p:nvPicPr>
-        <p:blipFill rotWithShape="1">
-          <a:blip r:embed="rId4">
+        <p:blipFill>
+          <a:blip r:embed="rId2">
             <a:extLst>
               <a:ext uri="{28A0092B-C50C-407E-A947-70E740481C1C}">
                 <a14:useLocalDpi xmlns:a14="http://schemas.microsoft.com/office/drawing/2010/main" val="0"/>
               </a:ext>
+              <a:ext uri="{96DAC541-7B7A-43D3-8B79-37D633B846F1}">
+                <asvg:svgBlip xmlns:asvg="http://schemas.microsoft.com/office/drawing/2016/SVG/main" r:embed="rId3"/>
+              </a:ext>
             </a:extLst>
           </a:blip>
-          <a:srcRect l="9440" t="39163" r="8746" b="38811"/>
-          <a:stretch/>
+          <a:stretch>
+            <a:fillRect/>
+          </a:stretch>
         </p:blipFill>
         <p:spPr>
-          <a:xfrm>
-            <a:off x="15773400" y="419099"/>
-            <a:ext cx="1981200" cy="533401"/>
+          <a:xfrm rot="2327776">
+            <a:off x="6030307" y="7498561"/>
+            <a:ext cx="1060187" cy="1060187"/>
           </a:xfrm>
           <a:prstGeom prst="rect">
             <a:avLst/>
@@ -6429,10 +6676,177 @@
       </p:pic>
       <p:sp>
         <p:nvSpPr>
-          <p:cNvPr id="23" name="Elipse 22">
+          <p:cNvPr id="27" name="CuadroTexto 26">
             <a:extLst>
               <a:ext uri="{FF2B5EF4-FFF2-40B4-BE49-F238E27FC236}">
-                <a16:creationId xmlns:a16="http://schemas.microsoft.com/office/drawing/2014/main" id="{A4B966F1-02B2-4AB3-A73D-61BB3C299632}"/>
+                <a16:creationId xmlns:a16="http://schemas.microsoft.com/office/drawing/2014/main" id="{75E00399-22E7-4136-8AA0-65B18A57B527}"/>
+              </a:ext>
+            </a:extLst>
+          </p:cNvPr>
+          <p:cNvSpPr txBox="1"/>
+          <p:nvPr/>
+        </p:nvSpPr>
+        <p:spPr>
+          <a:xfrm>
+            <a:off x="6567489" y="9178715"/>
+            <a:ext cx="3648075" cy="587020"/>
+          </a:xfrm>
+          <a:prstGeom prst="rect">
+            <a:avLst/>
+          </a:prstGeom>
+          <a:noFill/>
+        </p:spPr>
+        <p:txBody>
+          <a:bodyPr wrap="square" rtlCol="0">
+            <a:spAutoFit/>
+          </a:bodyPr>
+          <a:lstStyle/>
+          <a:p>
+            <a:pPr algn="ctr">
+              <a:lnSpc>
+                <a:spcPct val="150000"/>
+              </a:lnSpc>
+            </a:pPr>
+            <a:r>
+              <a:rPr lang="es-ES" sz="2400" b="0" dirty="0" err="1">
+                <a:effectLst/>
+                <a:latin typeface="Consolas" panose="020B0609020204030204" pitchFamily="49" charset="0"/>
+              </a:rPr>
+              <a:t>session_id</a:t>
+            </a:r>
+            <a:endParaRPr lang="es-ES" sz="2400" b="0" dirty="0">
+              <a:effectLst/>
+              <a:latin typeface="Consolas" panose="020B0609020204030204" pitchFamily="49" charset="0"/>
+            </a:endParaRPr>
+          </a:p>
+        </p:txBody>
+      </p:sp>
+      <p:pic>
+        <p:nvPicPr>
+          <p:cNvPr id="2050" name="Picture 2" descr="Persona Dudosa PNG ,dibujos Pintado A Mano, Personaje, Expresión PNG y PSD  para Descargar Gratis | Pngtree">
+            <a:extLst>
+              <a:ext uri="{FF2B5EF4-FFF2-40B4-BE49-F238E27FC236}">
+                <a16:creationId xmlns:a16="http://schemas.microsoft.com/office/drawing/2014/main" id="{65BFB50E-C26D-4357-AF28-2F2CA5A1D373}"/>
+              </a:ext>
+            </a:extLst>
+          </p:cNvPr>
+          <p:cNvPicPr>
+            <a:picLocks noChangeAspect="1" noChangeArrowheads="1"/>
+          </p:cNvPicPr>
+          <p:nvPr/>
+        </p:nvPicPr>
+        <p:blipFill>
+          <a:blip r:embed="rId4" cstate="print">
+            <a:extLst>
+              <a:ext uri="{28A0092B-C50C-407E-A947-70E740481C1C}">
+                <a14:useLocalDpi xmlns:a14="http://schemas.microsoft.com/office/drawing/2010/main" val="0"/>
+              </a:ext>
+            </a:extLst>
+          </a:blip>
+          <a:srcRect/>
+          <a:stretch>
+            <a:fillRect/>
+          </a:stretch>
+        </p:blipFill>
+        <p:spPr bwMode="auto">
+          <a:xfrm>
+            <a:off x="15026640" y="2496682"/>
+            <a:ext cx="2189618" cy="2189618"/>
+          </a:xfrm>
+          <a:prstGeom prst="rect">
+            <a:avLst/>
+          </a:prstGeom>
+          <a:noFill/>
+          <a:extLst>
+            <a:ext uri="{909E8E84-426E-40DD-AFC4-6F175D3DCCD1}">
+              <a14:hiddenFill xmlns:a14="http://schemas.microsoft.com/office/drawing/2010/main">
+                <a:solidFill>
+                  <a:srgbClr val="FFFFFF"/>
+                </a:solidFill>
+              </a14:hiddenFill>
+            </a:ext>
+          </a:extLst>
+        </p:spPr>
+      </p:pic>
+      <p:pic>
+        <p:nvPicPr>
+          <p:cNvPr id="9" name="Imagen 8">
+            <a:extLst>
+              <a:ext uri="{FF2B5EF4-FFF2-40B4-BE49-F238E27FC236}">
+                <a16:creationId xmlns:a16="http://schemas.microsoft.com/office/drawing/2014/main" id="{B6246DEB-B8DB-48B1-A64D-16C8CF364788}"/>
+              </a:ext>
+            </a:extLst>
+          </p:cNvPr>
+          <p:cNvPicPr>
+            <a:picLocks noChangeAspect="1"/>
+          </p:cNvPicPr>
+          <p:nvPr/>
+        </p:nvPicPr>
+        <p:blipFill>
+          <a:blip r:embed="rId5" cstate="print">
+            <a:extLst>
+              <a:ext uri="{28A0092B-C50C-407E-A947-70E740481C1C}">
+                <a14:useLocalDpi xmlns:a14="http://schemas.microsoft.com/office/drawing/2010/main" val="0"/>
+              </a:ext>
+            </a:extLst>
+          </a:blip>
+          <a:stretch>
+            <a:fillRect/>
+          </a:stretch>
+        </p:blipFill>
+        <p:spPr>
+          <a:xfrm>
+            <a:off x="2971800" y="2786300"/>
+            <a:ext cx="1371600" cy="1714500"/>
+          </a:xfrm>
+          <a:prstGeom prst="rect">
+            <a:avLst/>
+          </a:prstGeom>
+        </p:spPr>
+      </p:pic>
+    </p:spTree>
+  </p:cSld>
+  <p:clrMapOvr>
+    <a:masterClrMapping/>
+  </p:clrMapOvr>
+  <mc:AlternateContent xmlns:mc="http://schemas.openxmlformats.org/markup-compatibility/2006" xmlns:p159="http://schemas.microsoft.com/office/powerpoint/2015/09/main">
+    <mc:Choice Requires="p159">
+      <p:transition xmlns:p14="http://schemas.microsoft.com/office/powerpoint/2010/main" spd="slow" p14:dur="2000">
+        <p159:morph option="byObject"/>
+      </p:transition>
+    </mc:Choice>
+    <mc:Fallback xmlns="">
+      <p:transition spd="slow">
+        <p:fade/>
+      </p:transition>
+    </mc:Fallback>
+  </mc:AlternateContent>
+</p:sld>
+</file>
+
+<file path=ppt/slides/slide7.xml><?xml version="1.0" encoding="utf-8"?>
+<p:sld xmlns:a="http://schemas.openxmlformats.org/drawingml/2006/main" xmlns:r="http://schemas.openxmlformats.org/officeDocument/2006/relationships" xmlns:p="http://schemas.openxmlformats.org/presentationml/2006/main">
+  <p:cSld>
+    <p:spTree>
+      <p:nvGrpSpPr>
+        <p:cNvPr id="1" name=""/>
+        <p:cNvGrpSpPr/>
+        <p:nvPr/>
+      </p:nvGrpSpPr>
+      <p:grpSpPr>
+        <a:xfrm>
+          <a:off x="0" y="0"/>
+          <a:ext cx="0" cy="0"/>
+          <a:chOff x="0" y="0"/>
+          <a:chExt cx="0" cy="0"/>
+        </a:xfrm>
+      </p:grpSpPr>
+      <p:sp>
+        <p:nvSpPr>
+          <p:cNvPr id="37" name="Flecha: a la derecha con bandas 36">
+            <a:extLst>
+              <a:ext uri="{FF2B5EF4-FFF2-40B4-BE49-F238E27FC236}">
+                <a16:creationId xmlns:a16="http://schemas.microsoft.com/office/drawing/2014/main" id="{B5849DBB-9F40-4630-B114-3B2B35C82DAC}"/>
               </a:ext>
             </a:extLst>
           </p:cNvPr>
@@ -6441,17 +6855,17 @@
         </p:nvSpPr>
         <p:spPr>
           <a:xfrm>
-            <a:off x="8058150" y="8169965"/>
-            <a:ext cx="2171700" cy="871209"/>
-          </a:xfrm>
-          <a:prstGeom prst="ellipse">
+            <a:off x="-838200" y="3695700"/>
+            <a:ext cx="17983200" cy="1066800"/>
+          </a:xfrm>
+          <a:prstGeom prst="stripedRightArrow">
             <a:avLst/>
           </a:prstGeom>
-          <a:noFill/>
+          <a:solidFill>
+            <a:srgbClr val="5D9B9B"/>
+          </a:solidFill>
           <a:ln>
-            <a:solidFill>
-              <a:srgbClr val="5D9B9B"/>
-            </a:solidFill>
+            <a:noFill/>
           </a:ln>
         </p:spPr>
         <p:style>
@@ -6475,6 +6889,681 @@
           <a:lstStyle/>
           <a:p>
             <a:pPr algn="ctr"/>
+            <a:endParaRPr lang="es-ES"/>
+          </a:p>
+        </p:txBody>
+      </p:sp>
+      <p:sp>
+        <p:nvSpPr>
+          <p:cNvPr id="5" name="CuadroTexto 4">
+            <a:extLst>
+              <a:ext uri="{FF2B5EF4-FFF2-40B4-BE49-F238E27FC236}">
+                <a16:creationId xmlns:a16="http://schemas.microsoft.com/office/drawing/2014/main" id="{50C425AD-3215-48F8-812C-9002CE505F57}"/>
+              </a:ext>
+            </a:extLst>
+          </p:cNvPr>
+          <p:cNvSpPr txBox="1"/>
+          <p:nvPr/>
+        </p:nvSpPr>
+        <p:spPr>
+          <a:xfrm>
+            <a:off x="3514724" y="5232113"/>
+            <a:ext cx="3567111" cy="584775"/>
+          </a:xfrm>
+          <a:prstGeom prst="rect">
+            <a:avLst/>
+          </a:prstGeom>
+          <a:noFill/>
+        </p:spPr>
+        <p:txBody>
+          <a:bodyPr wrap="square" rtlCol="0">
+            <a:spAutoFit/>
+          </a:bodyPr>
+          <a:lstStyle/>
+          <a:p>
+            <a:r>
+              <a:rPr lang="es-ES" sz="3200" b="1" dirty="0">
+                <a:effectLst>
+                  <a:outerShdw blurRad="38100" dist="38100" dir="2700000" algn="tl">
+                    <a:srgbClr val="000000">
+                      <a:alpha val="43137"/>
+                    </a:srgbClr>
+                  </a:outerShdw>
+                </a:effectLst>
+                <a:latin typeface="Public Sans" panose="020B0604020202020204" charset="0"/>
+              </a:rPr>
+              <a:t>INPUT: 2# </a:t>
+            </a:r>
+            <a:r>
+              <a:rPr lang="es-ES" sz="3200" b="1" dirty="0" err="1">
+                <a:effectLst>
+                  <a:outerShdw blurRad="38100" dist="38100" dir="2700000" algn="tl">
+                    <a:srgbClr val="000000">
+                      <a:alpha val="43137"/>
+                    </a:srgbClr>
+                  </a:outerShdw>
+                </a:effectLst>
+                <a:latin typeface="Public Sans" panose="020B0604020202020204" charset="0"/>
+              </a:rPr>
+              <a:t>Prompt</a:t>
+            </a:r>
+            <a:endParaRPr lang="es-ES" sz="3200" b="1" dirty="0">
+              <a:effectLst>
+                <a:outerShdw blurRad="38100" dist="38100" dir="2700000" algn="tl">
+                  <a:srgbClr val="000000">
+                    <a:alpha val="43137"/>
+                  </a:srgbClr>
+                </a:outerShdw>
+              </a:effectLst>
+              <a:latin typeface="Public Sans" panose="020B0604020202020204" charset="0"/>
+            </a:endParaRPr>
+          </a:p>
+        </p:txBody>
+      </p:sp>
+      <p:sp>
+        <p:nvSpPr>
+          <p:cNvPr id="6" name="CuadroTexto 5">
+            <a:extLst>
+              <a:ext uri="{FF2B5EF4-FFF2-40B4-BE49-F238E27FC236}">
+                <a16:creationId xmlns:a16="http://schemas.microsoft.com/office/drawing/2014/main" id="{54DEA919-6542-4DEA-A3FB-5A2A29CCDB22}"/>
+              </a:ext>
+            </a:extLst>
+          </p:cNvPr>
+          <p:cNvSpPr txBox="1"/>
+          <p:nvPr/>
+        </p:nvSpPr>
+        <p:spPr>
+          <a:xfrm>
+            <a:off x="3433762" y="6024891"/>
+            <a:ext cx="3805238" cy="523220"/>
+          </a:xfrm>
+          <a:prstGeom prst="rect">
+            <a:avLst/>
+          </a:prstGeom>
+          <a:noFill/>
+        </p:spPr>
+        <p:txBody>
+          <a:bodyPr wrap="square" rtlCol="0">
+            <a:spAutoFit/>
+          </a:bodyPr>
+          <a:lstStyle/>
+          <a:p>
+            <a:r>
+              <a:rPr lang="es-ES" sz="2800" dirty="0">
+                <a:latin typeface="Public Sans" panose="020B0604020202020204" charset="0"/>
+              </a:rPr>
+              <a:t>Respuesta preguntas</a:t>
+            </a:r>
+          </a:p>
+        </p:txBody>
+      </p:sp>
+      <p:sp>
+        <p:nvSpPr>
+          <p:cNvPr id="7" name="CuadroTexto 6">
+            <a:extLst>
+              <a:ext uri="{FF2B5EF4-FFF2-40B4-BE49-F238E27FC236}">
+                <a16:creationId xmlns:a16="http://schemas.microsoft.com/office/drawing/2014/main" id="{0AB82D0A-3B25-4ADD-8827-3C57FE04E572}"/>
+              </a:ext>
+            </a:extLst>
+          </p:cNvPr>
+          <p:cNvSpPr txBox="1"/>
+          <p:nvPr/>
+        </p:nvSpPr>
+        <p:spPr>
+          <a:xfrm>
+            <a:off x="3433761" y="6896100"/>
+            <a:ext cx="3648075" cy="578556"/>
+          </a:xfrm>
+          <a:prstGeom prst="rect">
+            <a:avLst/>
+          </a:prstGeom>
+          <a:noFill/>
+        </p:spPr>
+        <p:txBody>
+          <a:bodyPr wrap="square" rtlCol="0">
+            <a:spAutoFit/>
+          </a:bodyPr>
+          <a:lstStyle/>
+          <a:p>
+            <a:pPr algn="ctr">
+              <a:lnSpc>
+                <a:spcPct val="150000"/>
+              </a:lnSpc>
+            </a:pPr>
+            <a:r>
+              <a:rPr lang="es-ES" sz="2400" i="1" dirty="0">
+                <a:latin typeface="Public Sans" panose="020B0604020202020204" charset="0"/>
+              </a:rPr>
+              <a:t>En mi opinión….</a:t>
+            </a:r>
+          </a:p>
+        </p:txBody>
+      </p:sp>
+      <p:sp>
+        <p:nvSpPr>
+          <p:cNvPr id="8" name="CuadroTexto 7">
+            <a:extLst>
+              <a:ext uri="{FF2B5EF4-FFF2-40B4-BE49-F238E27FC236}">
+                <a16:creationId xmlns:a16="http://schemas.microsoft.com/office/drawing/2014/main" id="{83CC77C6-7232-4CB9-926F-80B97AEE3E76}"/>
+              </a:ext>
+            </a:extLst>
+          </p:cNvPr>
+          <p:cNvSpPr txBox="1"/>
+          <p:nvPr/>
+        </p:nvSpPr>
+        <p:spPr>
+          <a:xfrm>
+            <a:off x="10699496" y="5232112"/>
+            <a:ext cx="4029076" cy="584775"/>
+          </a:xfrm>
+          <a:prstGeom prst="rect">
+            <a:avLst/>
+          </a:prstGeom>
+          <a:noFill/>
+        </p:spPr>
+        <p:txBody>
+          <a:bodyPr wrap="square" rtlCol="0">
+            <a:spAutoFit/>
+          </a:bodyPr>
+          <a:lstStyle/>
+          <a:p>
+            <a:r>
+              <a:rPr lang="es-ES" sz="3200" b="1" dirty="0">
+                <a:effectLst>
+                  <a:outerShdw blurRad="38100" dist="38100" dir="2700000" algn="tl">
+                    <a:srgbClr val="000000">
+                      <a:alpha val="43137"/>
+                    </a:srgbClr>
+                  </a:outerShdw>
+                </a:effectLst>
+                <a:latin typeface="Public Sans" panose="020B0604020202020204" charset="0"/>
+              </a:rPr>
+              <a:t>OUTPUT: 2# API </a:t>
+            </a:r>
+            <a:r>
+              <a:rPr lang="es-ES" sz="3200" b="1" dirty="0" err="1">
+                <a:effectLst>
+                  <a:outerShdw blurRad="38100" dist="38100" dir="2700000" algn="tl">
+                    <a:srgbClr val="000000">
+                      <a:alpha val="43137"/>
+                    </a:srgbClr>
+                  </a:outerShdw>
+                </a:effectLst>
+                <a:latin typeface="Public Sans" panose="020B0604020202020204" charset="0"/>
+              </a:rPr>
+              <a:t>call</a:t>
+            </a:r>
+            <a:endParaRPr lang="es-ES" sz="3200" b="1" dirty="0">
+              <a:effectLst>
+                <a:outerShdw blurRad="38100" dist="38100" dir="2700000" algn="tl">
+                  <a:srgbClr val="000000">
+                    <a:alpha val="43137"/>
+                  </a:srgbClr>
+                </a:outerShdw>
+              </a:effectLst>
+              <a:latin typeface="Public Sans" panose="020B0604020202020204" charset="0"/>
+            </a:endParaRPr>
+          </a:p>
+        </p:txBody>
+      </p:sp>
+      <p:sp>
+        <p:nvSpPr>
+          <p:cNvPr id="9" name="CuadroTexto 8">
+            <a:extLst>
+              <a:ext uri="{FF2B5EF4-FFF2-40B4-BE49-F238E27FC236}">
+                <a16:creationId xmlns:a16="http://schemas.microsoft.com/office/drawing/2014/main" id="{3177EEE7-A684-4023-9C24-8BB34B21C44C}"/>
+              </a:ext>
+            </a:extLst>
+          </p:cNvPr>
+          <p:cNvSpPr txBox="1"/>
+          <p:nvPr/>
+        </p:nvSpPr>
+        <p:spPr>
+          <a:xfrm>
+            <a:off x="10439400" y="6024891"/>
+            <a:ext cx="4714876" cy="523220"/>
+          </a:xfrm>
+          <a:prstGeom prst="rect">
+            <a:avLst/>
+          </a:prstGeom>
+          <a:noFill/>
+        </p:spPr>
+        <p:txBody>
+          <a:bodyPr wrap="square" rtlCol="0">
+            <a:spAutoFit/>
+          </a:bodyPr>
+          <a:lstStyle/>
+          <a:p>
+            <a:pPr algn="ctr"/>
+            <a:r>
+              <a:rPr lang="es-ES" sz="2800" dirty="0">
+                <a:latin typeface="Public Sans" panose="020B0604020202020204" charset="0"/>
+              </a:rPr>
+              <a:t>Evaluaciones de preguntas</a:t>
+            </a:r>
+          </a:p>
+        </p:txBody>
+      </p:sp>
+      <p:sp>
+        <p:nvSpPr>
+          <p:cNvPr id="10" name="CuadroTexto 9">
+            <a:extLst>
+              <a:ext uri="{FF2B5EF4-FFF2-40B4-BE49-F238E27FC236}">
+                <a16:creationId xmlns:a16="http://schemas.microsoft.com/office/drawing/2014/main" id="{1FF6FBC9-05A6-4967-88DB-CF1A2F94757C}"/>
+              </a:ext>
+            </a:extLst>
+          </p:cNvPr>
+          <p:cNvSpPr txBox="1"/>
+          <p:nvPr/>
+        </p:nvSpPr>
+        <p:spPr>
+          <a:xfrm>
+            <a:off x="10972801" y="6896100"/>
+            <a:ext cx="3648075" cy="1132554"/>
+          </a:xfrm>
+          <a:prstGeom prst="rect">
+            <a:avLst/>
+          </a:prstGeom>
+          <a:noFill/>
+        </p:spPr>
+        <p:txBody>
+          <a:bodyPr wrap="square" rtlCol="0">
+            <a:spAutoFit/>
+          </a:bodyPr>
+          <a:lstStyle/>
+          <a:p>
+            <a:pPr algn="ctr">
+              <a:lnSpc>
+                <a:spcPct val="150000"/>
+              </a:lnSpc>
+            </a:pPr>
+            <a:r>
+              <a:rPr lang="es-ES" sz="2400" i="1" dirty="0">
+                <a:latin typeface="Public Sans" panose="020B0604020202020204" charset="0"/>
+              </a:rPr>
+              <a:t>1. -------------</a:t>
+            </a:r>
+          </a:p>
+          <a:p>
+            <a:pPr algn="ctr">
+              <a:lnSpc>
+                <a:spcPct val="150000"/>
+              </a:lnSpc>
+            </a:pPr>
+            <a:r>
+              <a:rPr lang="es-ES" sz="2400" i="1" dirty="0">
+                <a:latin typeface="Public Sans" panose="020B0604020202020204" charset="0"/>
+              </a:rPr>
+              <a:t>2. -------------</a:t>
+            </a:r>
+          </a:p>
+        </p:txBody>
+      </p:sp>
+      <p:cxnSp>
+        <p:nvCxnSpPr>
+          <p:cNvPr id="11" name="Conector recto 10">
+            <a:extLst>
+              <a:ext uri="{FF2B5EF4-FFF2-40B4-BE49-F238E27FC236}">
+                <a16:creationId xmlns:a16="http://schemas.microsoft.com/office/drawing/2014/main" id="{503454EE-681A-4064-94B8-06AACD8A3053}"/>
+              </a:ext>
+            </a:extLst>
+          </p:cNvPr>
+          <p:cNvCxnSpPr>
+            <a:cxnSpLocks/>
+          </p:cNvCxnSpPr>
+          <p:nvPr/>
+        </p:nvCxnSpPr>
+        <p:spPr>
+          <a:xfrm flipH="1">
+            <a:off x="1298204" y="3829288"/>
+            <a:ext cx="914400" cy="778679"/>
+          </a:xfrm>
+          <a:prstGeom prst="line">
+            <a:avLst/>
+          </a:prstGeom>
+          <a:ln w="76200">
+            <a:solidFill>
+              <a:schemeClr val="bg1"/>
+            </a:solidFill>
+          </a:ln>
+        </p:spPr>
+        <p:style>
+          <a:lnRef idx="1">
+            <a:schemeClr val="accent1"/>
+          </a:lnRef>
+          <a:fillRef idx="0">
+            <a:schemeClr val="accent1"/>
+          </a:fillRef>
+          <a:effectRef idx="0">
+            <a:schemeClr val="accent1"/>
+          </a:effectRef>
+          <a:fontRef idx="minor">
+            <a:schemeClr val="tx1"/>
+          </a:fontRef>
+        </p:style>
+      </p:cxnSp>
+      <p:cxnSp>
+        <p:nvCxnSpPr>
+          <p:cNvPr id="12" name="Conector recto 11">
+            <a:extLst>
+              <a:ext uri="{FF2B5EF4-FFF2-40B4-BE49-F238E27FC236}">
+                <a16:creationId xmlns:a16="http://schemas.microsoft.com/office/drawing/2014/main" id="{D4E73C35-2C31-465E-9321-182A534EAA53}"/>
+              </a:ext>
+            </a:extLst>
+          </p:cNvPr>
+          <p:cNvCxnSpPr>
+            <a:cxnSpLocks/>
+          </p:cNvCxnSpPr>
+          <p:nvPr/>
+        </p:nvCxnSpPr>
+        <p:spPr>
+          <a:xfrm flipH="1">
+            <a:off x="7430902" y="3811542"/>
+            <a:ext cx="914400" cy="778679"/>
+          </a:xfrm>
+          <a:prstGeom prst="line">
+            <a:avLst/>
+          </a:prstGeom>
+          <a:ln w="76200">
+            <a:solidFill>
+              <a:schemeClr val="bg1"/>
+            </a:solidFill>
+          </a:ln>
+        </p:spPr>
+        <p:style>
+          <a:lnRef idx="1">
+            <a:schemeClr val="accent1"/>
+          </a:lnRef>
+          <a:fillRef idx="0">
+            <a:schemeClr val="accent1"/>
+          </a:fillRef>
+          <a:effectRef idx="0">
+            <a:schemeClr val="accent1"/>
+          </a:effectRef>
+          <a:fontRef idx="minor">
+            <a:schemeClr val="tx1"/>
+          </a:fontRef>
+        </p:style>
+      </p:cxnSp>
+      <p:cxnSp>
+        <p:nvCxnSpPr>
+          <p:cNvPr id="13" name="Conector recto 12">
+            <a:extLst>
+              <a:ext uri="{FF2B5EF4-FFF2-40B4-BE49-F238E27FC236}">
+                <a16:creationId xmlns:a16="http://schemas.microsoft.com/office/drawing/2014/main" id="{00D98447-63A8-4ADC-B6E2-7D614A2985F4}"/>
+              </a:ext>
+            </a:extLst>
+          </p:cNvPr>
+          <p:cNvCxnSpPr>
+            <a:cxnSpLocks/>
+          </p:cNvCxnSpPr>
+          <p:nvPr/>
+        </p:nvCxnSpPr>
+        <p:spPr>
+          <a:xfrm flipH="1">
+            <a:off x="13563600" y="3839760"/>
+            <a:ext cx="914400" cy="778679"/>
+          </a:xfrm>
+          <a:prstGeom prst="line">
+            <a:avLst/>
+          </a:prstGeom>
+          <a:ln w="76200">
+            <a:solidFill>
+              <a:schemeClr val="bg1"/>
+            </a:solidFill>
+          </a:ln>
+        </p:spPr>
+        <p:style>
+          <a:lnRef idx="1">
+            <a:schemeClr val="accent1"/>
+          </a:lnRef>
+          <a:fillRef idx="0">
+            <a:schemeClr val="accent1"/>
+          </a:fillRef>
+          <a:effectRef idx="0">
+            <a:schemeClr val="accent1"/>
+          </a:effectRef>
+          <a:fontRef idx="minor">
+            <a:schemeClr val="tx1"/>
+          </a:fontRef>
+        </p:style>
+      </p:cxnSp>
+      <p:sp>
+        <p:nvSpPr>
+          <p:cNvPr id="14" name="Elipse 13">
+            <a:extLst>
+              <a:ext uri="{FF2B5EF4-FFF2-40B4-BE49-F238E27FC236}">
+                <a16:creationId xmlns:a16="http://schemas.microsoft.com/office/drawing/2014/main" id="{8E3A656E-3F11-4C38-BE98-618F54E4F165}"/>
+              </a:ext>
+            </a:extLst>
+          </p:cNvPr>
+          <p:cNvSpPr/>
+          <p:nvPr/>
+        </p:nvSpPr>
+        <p:spPr>
+          <a:xfrm>
+            <a:off x="533400" y="5067300"/>
+            <a:ext cx="2171700" cy="871209"/>
+          </a:xfrm>
+          <a:prstGeom prst="ellipse">
+            <a:avLst/>
+          </a:prstGeom>
+          <a:noFill/>
+          <a:ln>
+            <a:solidFill>
+              <a:srgbClr val="5D9B9B"/>
+            </a:solidFill>
+          </a:ln>
+        </p:spPr>
+        <p:style>
+          <a:lnRef idx="2">
+            <a:schemeClr val="accent1">
+              <a:shade val="50000"/>
+            </a:schemeClr>
+          </a:lnRef>
+          <a:fillRef idx="1">
+            <a:schemeClr val="accent1"/>
+          </a:fillRef>
+          <a:effectRef idx="0">
+            <a:schemeClr val="accent1"/>
+          </a:effectRef>
+          <a:fontRef idx="minor">
+            <a:schemeClr val="lt1"/>
+          </a:fontRef>
+        </p:style>
+        <p:txBody>
+          <a:bodyPr rtlCol="0" anchor="ctr"/>
+          <a:lstStyle/>
+          <a:p>
+            <a:pPr algn="ctr"/>
+            <a:r>
+              <a:rPr lang="es-ES" sz="4000" dirty="0">
+                <a:solidFill>
+                  <a:srgbClr val="5D9B9B"/>
+                </a:solidFill>
+              </a:rPr>
+              <a:t>DB</a:t>
+            </a:r>
+            <a:r>
+              <a:rPr lang="es-ES" sz="4000" baseline="-25000" dirty="0">
+                <a:solidFill>
+                  <a:srgbClr val="5D9B9B"/>
+                </a:solidFill>
+              </a:rPr>
+              <a:t>1</a:t>
+            </a:r>
+          </a:p>
+        </p:txBody>
+      </p:sp>
+      <p:pic>
+        <p:nvPicPr>
+          <p:cNvPr id="15" name="Gráfico 14" descr="Flecha: curva ligera con relleno sólido">
+            <a:extLst>
+              <a:ext uri="{FF2B5EF4-FFF2-40B4-BE49-F238E27FC236}">
+                <a16:creationId xmlns:a16="http://schemas.microsoft.com/office/drawing/2014/main" id="{AB4316DD-D4FA-4BBA-A05D-8E1A0CA183B4}"/>
+              </a:ext>
+            </a:extLst>
+          </p:cNvPr>
+          <p:cNvPicPr>
+            <a:picLocks noChangeAspect="1"/>
+          </p:cNvPicPr>
+          <p:nvPr/>
+        </p:nvPicPr>
+        <p:blipFill>
+          <a:blip r:embed="rId2">
+            <a:extLst>
+              <a:ext uri="{28A0092B-C50C-407E-A947-70E740481C1C}">
+                <a14:useLocalDpi xmlns:a14="http://schemas.microsoft.com/office/drawing/2010/main" val="0"/>
+              </a:ext>
+              <a:ext uri="{96DAC541-7B7A-43D3-8B79-37D633B846F1}">
+                <asvg:svgBlip xmlns:asvg="http://schemas.microsoft.com/office/drawing/2016/SVG/main" r:embed="rId3"/>
+              </a:ext>
+            </a:extLst>
+          </a:blip>
+          <a:stretch>
+            <a:fillRect/>
+          </a:stretch>
+        </p:blipFill>
+        <p:spPr>
+          <a:xfrm rot="749777">
+            <a:off x="2318723" y="5733193"/>
+            <a:ext cx="1060187" cy="1060187"/>
+          </a:xfrm>
+          <a:prstGeom prst="rect">
+            <a:avLst/>
+          </a:prstGeom>
+        </p:spPr>
+      </p:pic>
+      <p:sp>
+        <p:nvSpPr>
+          <p:cNvPr id="19" name="CuadroTexto 18">
+            <a:extLst>
+              <a:ext uri="{FF2B5EF4-FFF2-40B4-BE49-F238E27FC236}">
+                <a16:creationId xmlns:a16="http://schemas.microsoft.com/office/drawing/2014/main" id="{E2964224-7DF5-4EF7-84B4-A56F7609B031}"/>
+              </a:ext>
+            </a:extLst>
+          </p:cNvPr>
+          <p:cNvSpPr txBox="1"/>
+          <p:nvPr/>
+        </p:nvSpPr>
+        <p:spPr>
+          <a:xfrm>
+            <a:off x="312529" y="6308502"/>
+            <a:ext cx="2512641" cy="587020"/>
+          </a:xfrm>
+          <a:prstGeom prst="rect">
+            <a:avLst/>
+          </a:prstGeom>
+          <a:noFill/>
+        </p:spPr>
+        <p:txBody>
+          <a:bodyPr wrap="square" rtlCol="0">
+            <a:spAutoFit/>
+          </a:bodyPr>
+          <a:lstStyle/>
+          <a:p>
+            <a:pPr algn="ctr">
+              <a:lnSpc>
+                <a:spcPct val="150000"/>
+              </a:lnSpc>
+            </a:pPr>
+            <a:r>
+              <a:rPr lang="es-ES" sz="2400" b="0" dirty="0" err="1">
+                <a:effectLst/>
+                <a:latin typeface="Consolas" panose="020B0609020204030204" pitchFamily="49" charset="0"/>
+              </a:rPr>
+              <a:t>session_id</a:t>
+            </a:r>
+            <a:endParaRPr lang="es-ES" sz="2400" b="0" dirty="0">
+              <a:effectLst/>
+              <a:latin typeface="Consolas" panose="020B0609020204030204" pitchFamily="49" charset="0"/>
+            </a:endParaRPr>
+          </a:p>
+        </p:txBody>
+      </p:sp>
+      <p:pic>
+        <p:nvPicPr>
+          <p:cNvPr id="20" name="Imagen 19">
+            <a:extLst>
+              <a:ext uri="{FF2B5EF4-FFF2-40B4-BE49-F238E27FC236}">
+                <a16:creationId xmlns:a16="http://schemas.microsoft.com/office/drawing/2014/main" id="{DDAE893D-7088-4726-B668-3D0AC888C475}"/>
+              </a:ext>
+            </a:extLst>
+          </p:cNvPr>
+          <p:cNvPicPr>
+            <a:picLocks noChangeAspect="1"/>
+          </p:cNvPicPr>
+          <p:nvPr/>
+        </p:nvPicPr>
+        <p:blipFill rotWithShape="1">
+          <a:blip r:embed="rId4">
+            <a:extLst>
+              <a:ext uri="{28A0092B-C50C-407E-A947-70E740481C1C}">
+                <a14:useLocalDpi xmlns:a14="http://schemas.microsoft.com/office/drawing/2010/main" val="0"/>
+              </a:ext>
+            </a:extLst>
+          </a:blip>
+          <a:srcRect l="9440" t="39163" r="8746" b="38811"/>
+          <a:stretch/>
+        </p:blipFill>
+        <p:spPr>
+          <a:xfrm>
+            <a:off x="15773400" y="419099"/>
+            <a:ext cx="1981200" cy="533401"/>
+          </a:xfrm>
+          <a:prstGeom prst="rect">
+            <a:avLst/>
+          </a:prstGeom>
+        </p:spPr>
+      </p:pic>
+      <p:sp>
+        <p:nvSpPr>
+          <p:cNvPr id="23" name="Elipse 22">
+            <a:extLst>
+              <a:ext uri="{FF2B5EF4-FFF2-40B4-BE49-F238E27FC236}">
+                <a16:creationId xmlns:a16="http://schemas.microsoft.com/office/drawing/2014/main" id="{A4B966F1-02B2-4AB3-A73D-61BB3C299632}"/>
+              </a:ext>
+            </a:extLst>
+          </p:cNvPr>
+          <p:cNvSpPr/>
+          <p:nvPr/>
+        </p:nvSpPr>
+        <p:spPr>
+          <a:xfrm>
+            <a:off x="8058150" y="8169965"/>
+            <a:ext cx="2171700" cy="871209"/>
+          </a:xfrm>
+          <a:prstGeom prst="ellipse">
+            <a:avLst/>
+          </a:prstGeom>
+          <a:noFill/>
+          <a:ln>
+            <a:solidFill>
+              <a:srgbClr val="5D9B9B"/>
+            </a:solidFill>
+          </a:ln>
+        </p:spPr>
+        <p:style>
+          <a:lnRef idx="2">
+            <a:schemeClr val="accent1">
+              <a:shade val="50000"/>
+            </a:schemeClr>
+          </a:lnRef>
+          <a:fillRef idx="1">
+            <a:schemeClr val="accent1"/>
+          </a:fillRef>
+          <a:effectRef idx="0">
+            <a:schemeClr val="accent1"/>
+          </a:effectRef>
+          <a:fontRef idx="minor">
+            <a:schemeClr val="lt1"/>
+          </a:fontRef>
+        </p:style>
+        <p:txBody>
+          <a:bodyPr rtlCol="0" anchor="ctr"/>
+          <a:lstStyle/>
+          <a:p>
+            <a:pPr algn="ctr"/>
             <a:r>
               <a:rPr lang="es-ES" sz="4000" dirty="0">
                 <a:solidFill>
@@ -6689,13 +7778,13 @@
 </p:sld>
 </file>
 
-<file path=ppt/slides/slide7.xml><?xml version="1.0" encoding="utf-8"?>
+<file path=ppt/slides/slide8.xml><?xml version="1.0" encoding="utf-8"?>
 <p:sld xmlns:a="http://schemas.openxmlformats.org/drawingml/2006/main" xmlns:r="http://schemas.openxmlformats.org/officeDocument/2006/relationships" xmlns:p="http://schemas.openxmlformats.org/presentationml/2006/main">
   <p:cSld>
     <p:bg>
       <p:bgPr>
         <a:solidFill>
-          <a:srgbClr val="5D9B9B"/>
+          <a:schemeClr val="bg1"/>
         </a:solidFill>
         <a:effectLst/>
       </p:bgPr>
@@ -6716,79 +7805,10 @@
       </p:grpSpPr>
       <p:pic>
         <p:nvPicPr>
-          <p:cNvPr id="9" name="Imagen 8">
+          <p:cNvPr id="6" name="Imagen 5">
             <a:extLst>
               <a:ext uri="{FF2B5EF4-FFF2-40B4-BE49-F238E27FC236}">
-                <a16:creationId xmlns:a16="http://schemas.microsoft.com/office/drawing/2014/main" id="{16C1EFDB-ECCD-474F-9F91-627AB87D3271}"/>
-              </a:ext>
-            </a:extLst>
-          </p:cNvPr>
-          <p:cNvPicPr>
-            <a:picLocks noChangeAspect="1"/>
-          </p:cNvPicPr>
-          <p:nvPr/>
-        </p:nvPicPr>
-        <p:blipFill>
-          <a:blip r:embed="rId2"/>
-          <a:stretch>
-            <a:fillRect/>
-          </a:stretch>
-        </p:blipFill>
-        <p:spPr>
-          <a:xfrm>
-            <a:off x="6096000" y="3695700"/>
-            <a:ext cx="6858000" cy="4038600"/>
-          </a:xfrm>
-          <a:prstGeom prst="rect">
-            <a:avLst/>
-          </a:prstGeom>
-        </p:spPr>
-      </p:pic>
-      <p:pic>
-        <p:nvPicPr>
-          <p:cNvPr id="15" name="Gráfico 14" descr="Monitor con relleno sólido">
-            <a:extLst>
-              <a:ext uri="{FF2B5EF4-FFF2-40B4-BE49-F238E27FC236}">
-                <a16:creationId xmlns:a16="http://schemas.microsoft.com/office/drawing/2014/main" id="{4F7916E4-9E8D-4A46-9BB6-68CD5DC4F8F0}"/>
-              </a:ext>
-            </a:extLst>
-          </p:cNvPr>
-          <p:cNvPicPr>
-            <a:picLocks noChangeAspect="1"/>
-          </p:cNvPicPr>
-          <p:nvPr/>
-        </p:nvPicPr>
-        <p:blipFill>
-          <a:blip r:embed="rId3">
-            <a:extLst>
-              <a:ext uri="{28A0092B-C50C-407E-A947-70E740481C1C}">
-                <a14:useLocalDpi xmlns:a14="http://schemas.microsoft.com/office/drawing/2010/main" val="0"/>
-              </a:ext>
-              <a:ext uri="{96DAC541-7B7A-43D3-8B79-37D633B846F1}">
-                <asvg:svgBlip xmlns:asvg="http://schemas.microsoft.com/office/drawing/2016/SVG/main" r:embed="rId4"/>
-              </a:ext>
-            </a:extLst>
-          </a:blip>
-          <a:stretch>
-            <a:fillRect/>
-          </a:stretch>
-        </p:blipFill>
-        <p:spPr>
-          <a:xfrm>
-            <a:off x="5181600" y="1943100"/>
-            <a:ext cx="8686800" cy="8686800"/>
-          </a:xfrm>
-          <a:prstGeom prst="rect">
-            <a:avLst/>
-          </a:prstGeom>
-        </p:spPr>
-      </p:pic>
-      <p:pic>
-        <p:nvPicPr>
-          <p:cNvPr id="17" name="Imagen 16">
-            <a:extLst>
-              <a:ext uri="{FF2B5EF4-FFF2-40B4-BE49-F238E27FC236}">
-                <a16:creationId xmlns:a16="http://schemas.microsoft.com/office/drawing/2014/main" id="{F42A0A5B-5D6B-4152-9547-23B056A1922A}"/>
+                <a16:creationId xmlns:a16="http://schemas.microsoft.com/office/drawing/2014/main" id="{C15306A4-B547-4C00-8005-ABC0F55A6A44}"/>
               </a:ext>
             </a:extLst>
           </p:cNvPr>
@@ -6798,24 +7818,317 @@
           <p:nvPr/>
         </p:nvPicPr>
         <p:blipFill rotWithShape="1">
-          <a:blip r:embed="rId5">
-            <a:extLst>
-              <a:ext uri="{28A0092B-C50C-407E-A947-70E740481C1C}">
-                <a14:useLocalDpi xmlns:a14="http://schemas.microsoft.com/office/drawing/2010/main" val="0"/>
-              </a:ext>
-            </a:extLst>
-          </a:blip>
-          <a:srcRect l="6795" t="39881" r="8395" b="39021"/>
+          <a:blip r:embed="rId2"/>
+          <a:srcRect l="4970" r="35522" b="7766"/>
           <a:stretch/>
         </p:blipFill>
         <p:spPr>
           <a:xfrm>
-            <a:off x="6946561" y="1181100"/>
-            <a:ext cx="5156878" cy="1282828"/>
+            <a:off x="7772400" y="2466471"/>
+            <a:ext cx="4384622" cy="5039229"/>
           </a:xfrm>
           <a:prstGeom prst="rect">
             <a:avLst/>
           </a:prstGeom>
+        </p:spPr>
+      </p:pic>
+      <p:pic>
+        <p:nvPicPr>
+          <p:cNvPr id="11" name="Imagen 10">
+            <a:extLst>
+              <a:ext uri="{FF2B5EF4-FFF2-40B4-BE49-F238E27FC236}">
+                <a16:creationId xmlns:a16="http://schemas.microsoft.com/office/drawing/2014/main" id="{AD87AF7D-B07E-43CC-9265-6194273BBFB6}"/>
+              </a:ext>
+            </a:extLst>
+          </p:cNvPr>
+          <p:cNvPicPr>
+            <a:picLocks noChangeAspect="1"/>
+          </p:cNvPicPr>
+          <p:nvPr/>
+        </p:nvPicPr>
+        <p:blipFill rotWithShape="1">
+          <a:blip r:embed="rId3"/>
+          <a:srcRect r="30747"/>
+          <a:stretch/>
+        </p:blipFill>
+        <p:spPr>
+          <a:xfrm>
+            <a:off x="1066800" y="1028700"/>
+            <a:ext cx="5105400" cy="5018866"/>
+          </a:xfrm>
+          <a:prstGeom prst="rect">
+            <a:avLst/>
+          </a:prstGeom>
+        </p:spPr>
+      </p:pic>
+      <p:pic>
+        <p:nvPicPr>
+          <p:cNvPr id="1034" name="Picture 10" descr="Python logo vector download free">
+            <a:extLst>
+              <a:ext uri="{FF2B5EF4-FFF2-40B4-BE49-F238E27FC236}">
+                <a16:creationId xmlns:a16="http://schemas.microsoft.com/office/drawing/2014/main" id="{80C4E3F1-24E5-4608-8F9A-F21CCE8FA643}"/>
+              </a:ext>
+            </a:extLst>
+          </p:cNvPr>
+          <p:cNvPicPr>
+            <a:picLocks noChangeAspect="1" noChangeArrowheads="1"/>
+          </p:cNvPicPr>
+          <p:nvPr/>
+        </p:nvPicPr>
+        <p:blipFill>
+          <a:blip r:embed="rId4">
+            <a:extLst>
+              <a:ext uri="{28A0092B-C50C-407E-A947-70E740481C1C}">
+                <a14:useLocalDpi xmlns:a14="http://schemas.microsoft.com/office/drawing/2010/main" val="0"/>
+              </a:ext>
+            </a:extLst>
+          </a:blip>
+          <a:srcRect/>
+          <a:stretch>
+            <a:fillRect/>
+          </a:stretch>
+        </p:blipFill>
+        <p:spPr bwMode="auto">
+          <a:xfrm>
+            <a:off x="5113878" y="-647700"/>
+            <a:ext cx="3775022" cy="3775022"/>
+          </a:xfrm>
+          <a:prstGeom prst="rect">
+            <a:avLst/>
+          </a:prstGeom>
+          <a:noFill/>
+          <a:extLst>
+            <a:ext uri="{909E8E84-426E-40DD-AFC4-6F175D3DCCD1}">
+              <a14:hiddenFill xmlns:a14="http://schemas.microsoft.com/office/drawing/2010/main">
+                <a:solidFill>
+                  <a:srgbClr val="FFFFFF"/>
+                </a:solidFill>
+              </a14:hiddenFill>
+            </a:ext>
+          </a:extLst>
+        </p:spPr>
+      </p:pic>
+      <p:pic>
+        <p:nvPicPr>
+          <p:cNvPr id="1036" name="Picture 12">
+            <a:extLst>
+              <a:ext uri="{FF2B5EF4-FFF2-40B4-BE49-F238E27FC236}">
+                <a16:creationId xmlns:a16="http://schemas.microsoft.com/office/drawing/2014/main" id="{CAFBD6B9-EADF-4DC1-B91B-EE699CB95DE0}"/>
+              </a:ext>
+            </a:extLst>
+          </p:cNvPr>
+          <p:cNvPicPr>
+            <a:picLocks noChangeAspect="1" noChangeArrowheads="1"/>
+          </p:cNvPicPr>
+          <p:nvPr/>
+        </p:nvPicPr>
+        <p:blipFill>
+          <a:blip r:embed="rId5">
+            <a:extLst>
+              <a:ext uri="{28A0092B-C50C-407E-A947-70E740481C1C}">
+                <a14:useLocalDpi xmlns:a14="http://schemas.microsoft.com/office/drawing/2010/main" val="0"/>
+              </a:ext>
+            </a:extLst>
+          </a:blip>
+          <a:srcRect/>
+          <a:stretch>
+            <a:fillRect/>
+          </a:stretch>
+        </p:blipFill>
+        <p:spPr bwMode="auto">
+          <a:xfrm>
+            <a:off x="10835122" y="1373171"/>
+            <a:ext cx="2186600" cy="2186600"/>
+          </a:xfrm>
+          <a:prstGeom prst="rect">
+            <a:avLst/>
+          </a:prstGeom>
+          <a:noFill/>
+          <a:extLst>
+            <a:ext uri="{909E8E84-426E-40DD-AFC4-6F175D3DCCD1}">
+              <a14:hiddenFill xmlns:a14="http://schemas.microsoft.com/office/drawing/2010/main">
+                <a:solidFill>
+                  <a:srgbClr val="FFFFFF"/>
+                </a:solidFill>
+              </a14:hiddenFill>
+            </a:ext>
+          </a:extLst>
+        </p:spPr>
+      </p:pic>
+      <p:pic>
+        <p:nvPicPr>
+          <p:cNvPr id="20" name="Imagen 19">
+            <a:extLst>
+              <a:ext uri="{FF2B5EF4-FFF2-40B4-BE49-F238E27FC236}">
+                <a16:creationId xmlns:a16="http://schemas.microsoft.com/office/drawing/2014/main" id="{EF943985-1FF5-4672-8230-0A5A528C8B94}"/>
+              </a:ext>
+            </a:extLst>
+          </p:cNvPr>
+          <p:cNvPicPr>
+            <a:picLocks noChangeAspect="1"/>
+          </p:cNvPicPr>
+          <p:nvPr/>
+        </p:nvPicPr>
+        <p:blipFill rotWithShape="1">
+          <a:blip r:embed="rId6">
+            <a:extLst>
+              <a:ext uri="{28A0092B-C50C-407E-A947-70E740481C1C}">
+                <a14:useLocalDpi xmlns:a14="http://schemas.microsoft.com/office/drawing/2010/main" val="0"/>
+              </a:ext>
+            </a:extLst>
+          </a:blip>
+          <a:srcRect l="9440" t="39163" r="8746" b="38811"/>
+          <a:stretch/>
+        </p:blipFill>
+        <p:spPr>
+          <a:xfrm>
+            <a:off x="15773400" y="419099"/>
+            <a:ext cx="1981200" cy="533401"/>
+          </a:xfrm>
+          <a:prstGeom prst="rect">
+            <a:avLst/>
+          </a:prstGeom>
+        </p:spPr>
+      </p:pic>
+      <p:pic>
+        <p:nvPicPr>
+          <p:cNvPr id="1038" name="Picture 14">
+            <a:extLst>
+              <a:ext uri="{FF2B5EF4-FFF2-40B4-BE49-F238E27FC236}">
+                <a16:creationId xmlns:a16="http://schemas.microsoft.com/office/drawing/2014/main" id="{90260295-6A2E-48F3-9D72-FF4701FF8AF9}"/>
+              </a:ext>
+            </a:extLst>
+          </p:cNvPr>
+          <p:cNvPicPr>
+            <a:picLocks noChangeAspect="1" noChangeArrowheads="1"/>
+          </p:cNvPicPr>
+          <p:nvPr/>
+        </p:nvPicPr>
+        <p:blipFill>
+          <a:blip r:embed="rId7">
+            <a:extLst>
+              <a:ext uri="{28A0092B-C50C-407E-A947-70E740481C1C}">
+                <a14:useLocalDpi xmlns:a14="http://schemas.microsoft.com/office/drawing/2010/main" val="0"/>
+              </a:ext>
+            </a:extLst>
+          </a:blip>
+          <a:srcRect/>
+          <a:stretch>
+            <a:fillRect/>
+          </a:stretch>
+        </p:blipFill>
+        <p:spPr bwMode="auto">
+          <a:xfrm>
+            <a:off x="1757362" y="7529512"/>
+            <a:ext cx="3724275" cy="1924050"/>
+          </a:xfrm>
+          <a:prstGeom prst="rect">
+            <a:avLst/>
+          </a:prstGeom>
+          <a:noFill/>
+          <a:extLst>
+            <a:ext uri="{909E8E84-426E-40DD-AFC4-6F175D3DCCD1}">
+              <a14:hiddenFill xmlns:a14="http://schemas.microsoft.com/office/drawing/2010/main">
+                <a:solidFill>
+                  <a:srgbClr val="FFFFFF"/>
+                </a:solidFill>
+              </a14:hiddenFill>
+            </a:ext>
+          </a:extLst>
+        </p:spPr>
+      </p:pic>
+      <p:pic>
+        <p:nvPicPr>
+          <p:cNvPr id="1040" name="Picture 16" descr="Cohere anuncia financiamiento serie C de $ 270 millones">
+            <a:extLst>
+              <a:ext uri="{FF2B5EF4-FFF2-40B4-BE49-F238E27FC236}">
+                <a16:creationId xmlns:a16="http://schemas.microsoft.com/office/drawing/2014/main" id="{C8726F30-A62D-482D-8A67-1D9317827F2D}"/>
+              </a:ext>
+            </a:extLst>
+          </p:cNvPr>
+          <p:cNvPicPr>
+            <a:picLocks noChangeAspect="1" noChangeArrowheads="1"/>
+          </p:cNvPicPr>
+          <p:nvPr/>
+        </p:nvPicPr>
+        <p:blipFill>
+          <a:blip r:embed="rId8">
+            <a:extLst>
+              <a:ext uri="{28A0092B-C50C-407E-A947-70E740481C1C}">
+                <a14:useLocalDpi xmlns:a14="http://schemas.microsoft.com/office/drawing/2010/main" val="0"/>
+              </a:ext>
+            </a:extLst>
+          </a:blip>
+          <a:srcRect/>
+          <a:stretch>
+            <a:fillRect/>
+          </a:stretch>
+        </p:blipFill>
+        <p:spPr bwMode="auto">
+          <a:xfrm>
+            <a:off x="0" y="5629278"/>
+            <a:ext cx="4114802" cy="1336336"/>
+          </a:xfrm>
+          <a:prstGeom prst="rect">
+            <a:avLst/>
+          </a:prstGeom>
+          <a:noFill/>
+          <a:extLst>
+            <a:ext uri="{909E8E84-426E-40DD-AFC4-6F175D3DCCD1}">
+              <a14:hiddenFill xmlns:a14="http://schemas.microsoft.com/office/drawing/2010/main">
+                <a:solidFill>
+                  <a:srgbClr val="FFFFFF"/>
+                </a:solidFill>
+              </a14:hiddenFill>
+            </a:ext>
+          </a:extLst>
+        </p:spPr>
+      </p:pic>
+      <p:pic>
+        <p:nvPicPr>
+          <p:cNvPr id="1042" name="Picture 18" descr="Aprende FastAPI desde 0">
+            <a:extLst>
+              <a:ext uri="{FF2B5EF4-FFF2-40B4-BE49-F238E27FC236}">
+                <a16:creationId xmlns:a16="http://schemas.microsoft.com/office/drawing/2014/main" id="{3FB189A3-9536-4092-A539-586F5D68ED10}"/>
+              </a:ext>
+            </a:extLst>
+          </p:cNvPr>
+          <p:cNvPicPr>
+            <a:picLocks noChangeAspect="1" noChangeArrowheads="1"/>
+          </p:cNvPicPr>
+          <p:nvPr/>
+        </p:nvPicPr>
+        <p:blipFill>
+          <a:blip r:embed="rId9">
+            <a:extLst>
+              <a:ext uri="{28A0092B-C50C-407E-A947-70E740481C1C}">
+                <a14:useLocalDpi xmlns:a14="http://schemas.microsoft.com/office/drawing/2010/main" val="0"/>
+              </a:ext>
+            </a:extLst>
+          </a:blip>
+          <a:srcRect/>
+          <a:stretch>
+            <a:fillRect/>
+          </a:stretch>
+        </p:blipFill>
+        <p:spPr bwMode="auto">
+          <a:xfrm>
+            <a:off x="3657599" y="5711050"/>
+            <a:ext cx="3704802" cy="1336336"/>
+          </a:xfrm>
+          <a:prstGeom prst="rect">
+            <a:avLst/>
+          </a:prstGeom>
+          <a:noFill/>
+          <a:extLst>
+            <a:ext uri="{909E8E84-426E-40DD-AFC4-6F175D3DCCD1}">
+              <a14:hiddenFill xmlns:a14="http://schemas.microsoft.com/office/drawing/2010/main">
+                <a:solidFill>
+                  <a:srgbClr val="FFFFFF"/>
+                </a:solidFill>
+              </a14:hiddenFill>
+            </a:ext>
+          </a:extLst>
         </p:spPr>
       </p:pic>
     </p:spTree>
@@ -6823,12 +8136,32 @@
   <p:clrMapOvr>
     <a:masterClrMapping/>
   </p:clrMapOvr>
+  <mc:AlternateContent xmlns:mc="http://schemas.openxmlformats.org/markup-compatibility/2006">
+    <mc:Choice xmlns:p159="http://schemas.microsoft.com/office/powerpoint/2015/09/main" Requires="p159">
+      <p:transition xmlns:p14="http://schemas.microsoft.com/office/powerpoint/2010/main" spd="slow" p14:dur="2000">
+        <p159:morph option="byObject"/>
+      </p:transition>
+    </mc:Choice>
+    <mc:Fallback>
+      <p:transition spd="slow">
+        <p:fade/>
+      </p:transition>
+    </mc:Fallback>
+  </mc:AlternateContent>
 </p:sld>
 </file>
 
-<file path=ppt/slides/slide8.xml><?xml version="1.0" encoding="utf-8"?>
+<file path=ppt/slides/slide9.xml><?xml version="1.0" encoding="utf-8"?>
 <p:sld xmlns:a="http://schemas.openxmlformats.org/drawingml/2006/main" xmlns:r="http://schemas.openxmlformats.org/officeDocument/2006/relationships" xmlns:p="http://schemas.openxmlformats.org/presentationml/2006/main">
   <p:cSld>
+    <p:bg>
+      <p:bgPr>
+        <a:solidFill>
+          <a:schemeClr val="bg1"/>
+        </a:solidFill>
+        <a:effectLst/>
+      </p:bgPr>
+    </p:bg>
     <p:spTree>
       <p:nvGrpSpPr>
         <p:cNvPr id="1" name=""/>
@@ -6843,127 +8176,12 @@
           <a:chExt cx="0" cy="0"/>
         </a:xfrm>
       </p:grpSpPr>
-      <p:sp>
-        <p:nvSpPr>
-          <p:cNvPr id="4" name="TextBox 4"/>
-          <p:cNvSpPr txBox="1"/>
-          <p:nvPr/>
-        </p:nvSpPr>
-        <p:spPr>
-          <a:xfrm>
-            <a:off x="583223" y="419100"/>
-            <a:ext cx="7767627" cy="1378744"/>
-          </a:xfrm>
-          <a:prstGeom prst="rect">
-            <a:avLst/>
-          </a:prstGeom>
-        </p:spPr>
-        <p:txBody>
-          <a:bodyPr lIns="0" tIns="0" rIns="0" bIns="0" rtlCol="0" anchor="t">
-            <a:spAutoFit/>
-          </a:bodyPr>
-          <a:lstStyle/>
-          <a:p>
-            <a:pPr algn="l">
-              <a:lnSpc>
-                <a:spcPts val="10800"/>
-              </a:lnSpc>
-            </a:pPr>
-            <a:r>
-              <a:rPr lang="en-US" sz="9000" b="1" dirty="0">
-                <a:solidFill>
-                  <a:srgbClr val="191919"/>
-                </a:solidFill>
-                <a:latin typeface="Public Sans"/>
-                <a:ea typeface="Public Sans"/>
-                <a:cs typeface="Public Sans"/>
-                <a:sym typeface="Public Sans"/>
-              </a:rPr>
-              <a:t>Gracias!</a:t>
-            </a:r>
-          </a:p>
-        </p:txBody>
-      </p:sp>
-      <p:sp>
-        <p:nvSpPr>
-          <p:cNvPr id="5" name="TextBox 5"/>
-          <p:cNvSpPr txBox="1"/>
-          <p:nvPr/>
-        </p:nvSpPr>
-        <p:spPr>
-          <a:xfrm>
-            <a:off x="453273" y="9548417"/>
-            <a:ext cx="7767627" cy="463525"/>
-          </a:xfrm>
-          <a:prstGeom prst="rect">
-            <a:avLst/>
-          </a:prstGeom>
-        </p:spPr>
-        <p:txBody>
-          <a:bodyPr lIns="0" tIns="0" rIns="0" bIns="0" rtlCol="0" anchor="t">
-            <a:spAutoFit/>
-          </a:bodyPr>
-          <a:lstStyle/>
-          <a:p>
-            <a:pPr algn="l">
-              <a:lnSpc>
-                <a:spcPts val="3900"/>
-              </a:lnSpc>
-            </a:pPr>
-            <a:r>
-              <a:rPr lang="en-US" sz="3000" i="1" dirty="0">
-                <a:solidFill>
-                  <a:srgbClr val="191919"/>
-                </a:solidFill>
-                <a:latin typeface="Public Sans"/>
-                <a:ea typeface="Public Sans"/>
-                <a:cs typeface="Public Sans"/>
-                <a:sym typeface="Public Sans"/>
-              </a:rPr>
-              <a:t>Daniel Garrido Prados</a:t>
-            </a:r>
-            <a:endParaRPr lang="en-US" sz="3000" i="1" dirty="0">
-              <a:solidFill>
-                <a:srgbClr val="FA632A"/>
-              </a:solidFill>
-              <a:latin typeface="Public Sans"/>
-              <a:ea typeface="Public Sans"/>
-              <a:cs typeface="Public Sans"/>
-              <a:sym typeface="Public Sans"/>
-            </a:endParaRPr>
-          </a:p>
-        </p:txBody>
-      </p:sp>
-      <p:sp>
-        <p:nvSpPr>
-          <p:cNvPr id="6" name="AutoShape 6"/>
-          <p:cNvSpPr/>
-          <p:nvPr/>
-        </p:nvSpPr>
-        <p:spPr>
-          <a:xfrm flipV="1">
-            <a:off x="457200" y="2019300"/>
-            <a:ext cx="6324600" cy="0"/>
-          </a:xfrm>
-          <a:prstGeom prst="line">
-            <a:avLst/>
-          </a:prstGeom>
-          <a:ln w="139700" cap="flat">
-            <a:solidFill>
-              <a:srgbClr val="5D9B9B"/>
-            </a:solidFill>
-            <a:prstDash val="solid"/>
-            <a:headEnd type="none" w="sm" len="sm"/>
-            <a:tailEnd type="none" w="sm" len="sm"/>
-          </a:ln>
-        </p:spPr>
-      </p:sp>
       <p:pic>
         <p:nvPicPr>
-          <p:cNvPr id="10" name="Gráfico 9" descr="Monitor con relleno sólido">
+          <p:cNvPr id="6" name="Imagen 5">
             <a:extLst>
               <a:ext uri="{FF2B5EF4-FFF2-40B4-BE49-F238E27FC236}">
-                <a16:creationId xmlns:a16="http://schemas.microsoft.com/office/drawing/2014/main" id="{976CDD20-821E-4464-87E4-32DF02D5D0F3}"/>
+                <a16:creationId xmlns:a16="http://schemas.microsoft.com/office/drawing/2014/main" id="{C15306A4-B547-4C00-8005-ABC0F55A6A44}"/>
               </a:ext>
             </a:extLst>
           </p:cNvPr>
@@ -6972,25 +8190,15 @@
           </p:cNvPicPr>
           <p:nvPr/>
         </p:nvPicPr>
-        <p:blipFill>
-          <a:blip r:embed="rId2">
-            <a:extLst>
-              <a:ext uri="{28A0092B-C50C-407E-A947-70E740481C1C}">
-                <a14:useLocalDpi xmlns:a14="http://schemas.microsoft.com/office/drawing/2010/main" val="0"/>
-              </a:ext>
-              <a:ext uri="{96DAC541-7B7A-43D3-8B79-37D633B846F1}">
-                <asvg:svgBlip xmlns:asvg="http://schemas.microsoft.com/office/drawing/2016/SVG/main" r:embed="rId3"/>
-              </a:ext>
-            </a:extLst>
-          </a:blip>
-          <a:stretch>
-            <a:fillRect/>
-          </a:stretch>
+        <p:blipFill rotWithShape="1">
+          <a:blip r:embed="rId2"/>
+          <a:srcRect l="4970" r="35522" b="7766"/>
+          <a:stretch/>
         </p:blipFill>
         <p:spPr>
           <a:xfrm>
-            <a:off x="8220900" y="996095"/>
-            <a:ext cx="10436902" cy="10360702"/>
+            <a:off x="7772400" y="2466471"/>
+            <a:ext cx="4384622" cy="5039229"/>
           </a:xfrm>
           <a:prstGeom prst="rect">
             <a:avLst/>
@@ -6999,10 +8207,10 @@
       </p:pic>
       <p:pic>
         <p:nvPicPr>
-          <p:cNvPr id="9" name="Imagen 8">
+          <p:cNvPr id="11" name="Imagen 10">
             <a:extLst>
               <a:ext uri="{FF2B5EF4-FFF2-40B4-BE49-F238E27FC236}">
-                <a16:creationId xmlns:a16="http://schemas.microsoft.com/office/drawing/2014/main" id="{24E5DCD2-68FF-47CF-8A7F-2020C2E99EF1}"/>
+                <a16:creationId xmlns:a16="http://schemas.microsoft.com/office/drawing/2014/main" id="{AD87AF7D-B07E-43CC-9265-6194273BBFB6}"/>
               </a:ext>
             </a:extLst>
           </p:cNvPr>
@@ -7011,22 +8219,15 @@
           </p:cNvPicPr>
           <p:nvPr/>
         </p:nvPicPr>
-        <p:blipFill>
-          <a:blip r:embed="rId4" cstate="print">
-            <a:extLst>
-              <a:ext uri="{28A0092B-C50C-407E-A947-70E740481C1C}">
-                <a14:useLocalDpi xmlns:a14="http://schemas.microsoft.com/office/drawing/2010/main" val="0"/>
-              </a:ext>
-            </a:extLst>
-          </a:blip>
-          <a:stretch>
-            <a:fillRect/>
-          </a:stretch>
+        <p:blipFill rotWithShape="1">
+          <a:blip r:embed="rId3"/>
+          <a:srcRect r="30747"/>
+          <a:stretch/>
         </p:blipFill>
         <p:spPr>
           <a:xfrm>
-            <a:off x="11201400" y="3238500"/>
-            <a:ext cx="4515160" cy="4515160"/>
+            <a:off x="1066800" y="1028700"/>
+            <a:ext cx="5105400" cy="5018866"/>
           </a:xfrm>
           <a:prstGeom prst="rect">
             <a:avLst/>
@@ -7035,10 +8236,10 @@
       </p:pic>
       <p:pic>
         <p:nvPicPr>
-          <p:cNvPr id="4098" name="Picture 2" descr="Feliz Grupo De Personas Celebrando Juntos | Elementos graficos Plantilla  EPS Descarga Gratuita - Pikbest">
+          <p:cNvPr id="1034" name="Picture 10" descr="Python logo vector download free">
             <a:extLst>
               <a:ext uri="{FF2B5EF4-FFF2-40B4-BE49-F238E27FC236}">
-                <a16:creationId xmlns:a16="http://schemas.microsoft.com/office/drawing/2014/main" id="{386D2CD6-0A25-426C-BC35-0CC9A4B354FF}"/>
+                <a16:creationId xmlns:a16="http://schemas.microsoft.com/office/drawing/2014/main" id="{80C4E3F1-24E5-4608-8F9A-F21CCE8FA643}"/>
               </a:ext>
             </a:extLst>
           </p:cNvPr>
@@ -7048,7 +8249,7 @@
           <p:nvPr/>
         </p:nvPicPr>
         <p:blipFill>
-          <a:blip r:embed="rId5">
+          <a:blip r:embed="rId4">
             <a:extLst>
               <a:ext uri="{28A0092B-C50C-407E-A947-70E740481C1C}">
                 <a14:useLocalDpi xmlns:a14="http://schemas.microsoft.com/office/drawing/2010/main" val="0"/>
@@ -7062,8 +8263,8 @@
         </p:blipFill>
         <p:spPr bwMode="auto">
           <a:xfrm>
-            <a:off x="280850" y="3683832"/>
-            <a:ext cx="7259242" cy="4210360"/>
+            <a:off x="5113878" y="-647700"/>
+            <a:ext cx="3775022" cy="3775022"/>
           </a:xfrm>
           <a:prstGeom prst="rect">
             <a:avLst/>
@@ -7082,10 +8283,57 @@
       </p:pic>
       <p:pic>
         <p:nvPicPr>
-          <p:cNvPr id="12" name="Imagen 11">
+          <p:cNvPr id="1036" name="Picture 12">
             <a:extLst>
               <a:ext uri="{FF2B5EF4-FFF2-40B4-BE49-F238E27FC236}">
-                <a16:creationId xmlns:a16="http://schemas.microsoft.com/office/drawing/2014/main" id="{29573775-C44C-4602-A7D1-CA6C599102D2}"/>
+                <a16:creationId xmlns:a16="http://schemas.microsoft.com/office/drawing/2014/main" id="{CAFBD6B9-EADF-4DC1-B91B-EE699CB95DE0}"/>
+              </a:ext>
+            </a:extLst>
+          </p:cNvPr>
+          <p:cNvPicPr>
+            <a:picLocks noChangeAspect="1" noChangeArrowheads="1"/>
+          </p:cNvPicPr>
+          <p:nvPr/>
+        </p:nvPicPr>
+        <p:blipFill>
+          <a:blip r:embed="rId5">
+            <a:extLst>
+              <a:ext uri="{28A0092B-C50C-407E-A947-70E740481C1C}">
+                <a14:useLocalDpi xmlns:a14="http://schemas.microsoft.com/office/drawing/2010/main" val="0"/>
+              </a:ext>
+            </a:extLst>
+          </a:blip>
+          <a:srcRect/>
+          <a:stretch>
+            <a:fillRect/>
+          </a:stretch>
+        </p:blipFill>
+        <p:spPr bwMode="auto">
+          <a:xfrm>
+            <a:off x="10835122" y="1373171"/>
+            <a:ext cx="2186600" cy="2186600"/>
+          </a:xfrm>
+          <a:prstGeom prst="rect">
+            <a:avLst/>
+          </a:prstGeom>
+          <a:noFill/>
+          <a:extLst>
+            <a:ext uri="{909E8E84-426E-40DD-AFC4-6F175D3DCCD1}">
+              <a14:hiddenFill xmlns:a14="http://schemas.microsoft.com/office/drawing/2010/main">
+                <a:solidFill>
+                  <a:srgbClr val="FFFFFF"/>
+                </a:solidFill>
+              </a14:hiddenFill>
+            </a:ext>
+          </a:extLst>
+        </p:spPr>
+      </p:pic>
+      <p:pic>
+        <p:nvPicPr>
+          <p:cNvPr id="20" name="Imagen 19">
+            <a:extLst>
+              <a:ext uri="{FF2B5EF4-FFF2-40B4-BE49-F238E27FC236}">
+                <a16:creationId xmlns:a16="http://schemas.microsoft.com/office/drawing/2014/main" id="{EF943985-1FF5-4672-8230-0A5A528C8B94}"/>
               </a:ext>
             </a:extLst>
           </p:cNvPr>
@@ -7107,27 +8355,220 @@
         </p:blipFill>
         <p:spPr>
           <a:xfrm>
-            <a:off x="10481054" y="194346"/>
-            <a:ext cx="5955852" cy="1603498"/>
+            <a:off x="15773400" y="419099"/>
+            <a:ext cx="1981200" cy="533401"/>
           </a:xfrm>
           <a:prstGeom prst="rect">
             <a:avLst/>
           </a:prstGeom>
         </p:spPr>
       </p:pic>
+      <p:pic>
+        <p:nvPicPr>
+          <p:cNvPr id="1038" name="Picture 14">
+            <a:extLst>
+              <a:ext uri="{FF2B5EF4-FFF2-40B4-BE49-F238E27FC236}">
+                <a16:creationId xmlns:a16="http://schemas.microsoft.com/office/drawing/2014/main" id="{90260295-6A2E-48F3-9D72-FF4701FF8AF9}"/>
+              </a:ext>
+            </a:extLst>
+          </p:cNvPr>
+          <p:cNvPicPr>
+            <a:picLocks noChangeAspect="1" noChangeArrowheads="1"/>
+          </p:cNvPicPr>
+          <p:nvPr/>
+        </p:nvPicPr>
+        <p:blipFill>
+          <a:blip r:embed="rId7">
+            <a:extLst>
+              <a:ext uri="{28A0092B-C50C-407E-A947-70E740481C1C}">
+                <a14:useLocalDpi xmlns:a14="http://schemas.microsoft.com/office/drawing/2010/main" val="0"/>
+              </a:ext>
+            </a:extLst>
+          </a:blip>
+          <a:srcRect/>
+          <a:stretch>
+            <a:fillRect/>
+          </a:stretch>
+        </p:blipFill>
+        <p:spPr bwMode="auto">
+          <a:xfrm>
+            <a:off x="1757362" y="7529512"/>
+            <a:ext cx="3724275" cy="1924050"/>
+          </a:xfrm>
+          <a:prstGeom prst="rect">
+            <a:avLst/>
+          </a:prstGeom>
+          <a:noFill/>
+          <a:extLst>
+            <a:ext uri="{909E8E84-426E-40DD-AFC4-6F175D3DCCD1}">
+              <a14:hiddenFill xmlns:a14="http://schemas.microsoft.com/office/drawing/2010/main">
+                <a:solidFill>
+                  <a:srgbClr val="FFFFFF"/>
+                </a:solidFill>
+              </a14:hiddenFill>
+            </a:ext>
+          </a:extLst>
+        </p:spPr>
+      </p:pic>
+      <p:pic>
+        <p:nvPicPr>
+          <p:cNvPr id="1040" name="Picture 16" descr="Cohere anuncia financiamiento serie C de $ 270 millones">
+            <a:extLst>
+              <a:ext uri="{FF2B5EF4-FFF2-40B4-BE49-F238E27FC236}">
+                <a16:creationId xmlns:a16="http://schemas.microsoft.com/office/drawing/2014/main" id="{C8726F30-A62D-482D-8A67-1D9317827F2D}"/>
+              </a:ext>
+            </a:extLst>
+          </p:cNvPr>
+          <p:cNvPicPr>
+            <a:picLocks noChangeAspect="1" noChangeArrowheads="1"/>
+          </p:cNvPicPr>
+          <p:nvPr/>
+        </p:nvPicPr>
+        <p:blipFill>
+          <a:blip r:embed="rId8">
+            <a:extLst>
+              <a:ext uri="{28A0092B-C50C-407E-A947-70E740481C1C}">
+                <a14:useLocalDpi xmlns:a14="http://schemas.microsoft.com/office/drawing/2010/main" val="0"/>
+              </a:ext>
+            </a:extLst>
+          </a:blip>
+          <a:srcRect/>
+          <a:stretch>
+            <a:fillRect/>
+          </a:stretch>
+        </p:blipFill>
+        <p:spPr bwMode="auto">
+          <a:xfrm>
+            <a:off x="0" y="5629278"/>
+            <a:ext cx="4114802" cy="1336336"/>
+          </a:xfrm>
+          <a:prstGeom prst="rect">
+            <a:avLst/>
+          </a:prstGeom>
+          <a:noFill/>
+          <a:extLst>
+            <a:ext uri="{909E8E84-426E-40DD-AFC4-6F175D3DCCD1}">
+              <a14:hiddenFill xmlns:a14="http://schemas.microsoft.com/office/drawing/2010/main">
+                <a:solidFill>
+                  <a:srgbClr val="FFFFFF"/>
+                </a:solidFill>
+              </a14:hiddenFill>
+            </a:ext>
+          </a:extLst>
+        </p:spPr>
+      </p:pic>
+      <p:pic>
+        <p:nvPicPr>
+          <p:cNvPr id="1042" name="Picture 18" descr="Aprende FastAPI desde 0">
+            <a:extLst>
+              <a:ext uri="{FF2B5EF4-FFF2-40B4-BE49-F238E27FC236}">
+                <a16:creationId xmlns:a16="http://schemas.microsoft.com/office/drawing/2014/main" id="{3FB189A3-9536-4092-A539-586F5D68ED10}"/>
+              </a:ext>
+            </a:extLst>
+          </p:cNvPr>
+          <p:cNvPicPr>
+            <a:picLocks noChangeAspect="1" noChangeArrowheads="1"/>
+          </p:cNvPicPr>
+          <p:nvPr/>
+        </p:nvPicPr>
+        <p:blipFill>
+          <a:blip r:embed="rId9">
+            <a:extLst>
+              <a:ext uri="{28A0092B-C50C-407E-A947-70E740481C1C}">
+                <a14:useLocalDpi xmlns:a14="http://schemas.microsoft.com/office/drawing/2010/main" val="0"/>
+              </a:ext>
+            </a:extLst>
+          </a:blip>
+          <a:srcRect/>
+          <a:stretch>
+            <a:fillRect/>
+          </a:stretch>
+        </p:blipFill>
+        <p:spPr bwMode="auto">
+          <a:xfrm>
+            <a:off x="3657599" y="5711050"/>
+            <a:ext cx="3704802" cy="1336336"/>
+          </a:xfrm>
+          <a:prstGeom prst="rect">
+            <a:avLst/>
+          </a:prstGeom>
+          <a:noFill/>
+          <a:extLst>
+            <a:ext uri="{909E8E84-426E-40DD-AFC4-6F175D3DCCD1}">
+              <a14:hiddenFill xmlns:a14="http://schemas.microsoft.com/office/drawing/2010/main">
+                <a:solidFill>
+                  <a:srgbClr val="FFFFFF"/>
+                </a:solidFill>
+              </a14:hiddenFill>
+            </a:ext>
+          </a:extLst>
+        </p:spPr>
+      </p:pic>
+      <p:pic>
+        <p:nvPicPr>
+          <p:cNvPr id="10" name="Picture 8" descr="Docker Logo, symbol, meaning, history, PNG, brand">
+            <a:extLst>
+              <a:ext uri="{FF2B5EF4-FFF2-40B4-BE49-F238E27FC236}">
+                <a16:creationId xmlns:a16="http://schemas.microsoft.com/office/drawing/2014/main" id="{AEC98956-E015-4027-BCEF-259F3FF1F51E}"/>
+              </a:ext>
+            </a:extLst>
+          </p:cNvPr>
+          <p:cNvPicPr>
+            <a:picLocks noChangeAspect="1" noChangeArrowheads="1"/>
+          </p:cNvPicPr>
+          <p:nvPr/>
+        </p:nvPicPr>
+        <p:blipFill>
+          <a:blip r:embed="rId10">
+            <a:extLst>
+              <a:ext uri="{28A0092B-C50C-407E-A947-70E740481C1C}">
+                <a14:useLocalDpi xmlns:a14="http://schemas.microsoft.com/office/drawing/2010/main" val="0"/>
+              </a:ext>
+            </a:extLst>
+          </a:blip>
+          <a:srcRect/>
+          <a:stretch>
+            <a:fillRect/>
+          </a:stretch>
+        </p:blipFill>
+        <p:spPr bwMode="auto">
+          <a:xfrm>
+            <a:off x="13944600" y="4305300"/>
+            <a:ext cx="3657600" cy="2057400"/>
+          </a:xfrm>
+          <a:prstGeom prst="rect">
+            <a:avLst/>
+          </a:prstGeom>
+          <a:noFill/>
+          <a:extLst>
+            <a:ext uri="{909E8E84-426E-40DD-AFC4-6F175D3DCCD1}">
+              <a14:hiddenFill xmlns:a14="http://schemas.microsoft.com/office/drawing/2010/main">
+                <a:solidFill>
+                  <a:srgbClr val="FFFFFF"/>
+                </a:solidFill>
+              </a14:hiddenFill>
+            </a:ext>
+          </a:extLst>
+        </p:spPr>
+      </p:pic>
     </p:spTree>
+    <p:extLst>
+      <p:ext uri="{BB962C8B-B14F-4D97-AF65-F5344CB8AC3E}">
+        <p14:creationId xmlns:p14="http://schemas.microsoft.com/office/powerpoint/2010/main" val="2258294557"/>
+      </p:ext>
+    </p:extLst>
   </p:cSld>
   <p:clrMapOvr>
     <a:masterClrMapping/>
   </p:clrMapOvr>
   <mc:AlternateContent xmlns:mc="http://schemas.openxmlformats.org/markup-compatibility/2006">
-    <mc:Choice xmlns:p14="http://schemas.microsoft.com/office/powerpoint/2010/main" Requires="p14">
-      <p:transition spd="med" p14:dur="700">
-        <p:fade/>
+    <mc:Choice xmlns:p159="http://schemas.microsoft.com/office/powerpoint/2015/09/main" Requires="p159">
+      <p:transition xmlns:p14="http://schemas.microsoft.com/office/powerpoint/2010/main" spd="slow" p14:dur="2000">
+        <p159:morph option="byObject"/>
       </p:transition>
     </mc:Choice>
     <mc:Fallback>
-      <p:transition spd="med">
+      <p:transition spd="slow">
         <p:fade/>
       </p:transition>
     </mc:Fallback>

--- a/PPT/PPT_intervy.pptx
+++ b/PPT/PPT_intervy.pptx
@@ -162,7 +162,7 @@
   <pc:docChgLst>
     <pc:chgData name="Daniel Garrido Prados" userId="1d43a53d85794cda" providerId="LiveId" clId="{4B4F09F9-7755-4003-9A3F-F316B6AABC2F}"/>
     <pc:docChg chg="undo custSel addSld delSld modSld">
-      <pc:chgData name="Daniel Garrido Prados" userId="1d43a53d85794cda" providerId="LiveId" clId="{4B4F09F9-7755-4003-9A3F-F316B6AABC2F}" dt="2025-03-04T09:21:07.063" v="299" actId="2696"/>
+      <pc:chgData name="Daniel Garrido Prados" userId="1d43a53d85794cda" providerId="LiveId" clId="{4B4F09F9-7755-4003-9A3F-F316B6AABC2F}" dt="2025-03-04T11:11:26.804" v="300"/>
       <pc:docMkLst>
         <pc:docMk/>
       </pc:docMkLst>
@@ -347,7 +347,7 @@
         </pc:sldMkLst>
       </pc:sldChg>
       <pc:sldChg chg="modSp add modTransition">
-        <pc:chgData name="Daniel Garrido Prados" userId="1d43a53d85794cda" providerId="LiveId" clId="{4B4F09F9-7755-4003-9A3F-F316B6AABC2F}" dt="2025-03-04T09:14:49.253" v="281"/>
+        <pc:chgData name="Daniel Garrido Prados" userId="1d43a53d85794cda" providerId="LiveId" clId="{4B4F09F9-7755-4003-9A3F-F316B6AABC2F}" dt="2025-03-04T11:11:26.804" v="300"/>
         <pc:sldMkLst>
           <pc:docMk/>
           <pc:sldMk cId="153390029" sldId="279"/>
@@ -4568,13 +4568,13 @@
   <p:clrMapOvr>
     <a:masterClrMapping/>
   </p:clrMapOvr>
-  <mc:AlternateContent xmlns:mc="http://schemas.openxmlformats.org/markup-compatibility/2006">
-    <mc:Choice xmlns:p14="http://schemas.microsoft.com/office/powerpoint/2010/main" Requires="p14">
+  <mc:AlternateContent xmlns:mc="http://schemas.openxmlformats.org/markup-compatibility/2006" xmlns:p14="http://schemas.microsoft.com/office/powerpoint/2010/main">
+    <mc:Choice Requires="p14">
       <p:transition spd="slow" p14:dur="1500">
         <p:split orient="vert"/>
       </p:transition>
     </mc:Choice>
-    <mc:Fallback>
+    <mc:Fallback xmlns="">
       <p:transition spd="slow">
         <p:split orient="vert"/>
       </p:transition>
@@ -5228,12 +5228,12 @@
   </p:clrMapOvr>
   <mc:AlternateContent xmlns:mc="http://schemas.openxmlformats.org/markup-compatibility/2006">
     <mc:Choice xmlns:p159="http://schemas.microsoft.com/office/powerpoint/2015/09/main" Requires="p159">
-      <p:transition xmlns:p14="http://schemas.microsoft.com/office/powerpoint/2010/main" spd="slow" p14:dur="2000" advClick="0" advTm="500">
+      <p:transition xmlns:p14="http://schemas.microsoft.com/office/powerpoint/2010/main" spd="slow" p14:dur="2000" advClick="0" advTm="0">
         <p159:morph option="byObject"/>
       </p:transition>
     </mc:Choice>
     <mc:Fallback>
-      <p:transition spd="slow" advClick="0" advTm="500">
+      <p:transition spd="slow" advClick="0" advTm="0">
         <p:fade/>
       </p:transition>
     </mc:Fallback>
@@ -5609,13 +5609,13 @@
   <p:clrMapOvr>
     <a:masterClrMapping/>
   </p:clrMapOvr>
-  <mc:AlternateContent xmlns:mc="http://schemas.openxmlformats.org/markup-compatibility/2006">
-    <mc:Choice xmlns:p14="http://schemas.microsoft.com/office/powerpoint/2010/main" Requires="p14">
+  <mc:AlternateContent xmlns:mc="http://schemas.openxmlformats.org/markup-compatibility/2006" xmlns:p14="http://schemas.microsoft.com/office/powerpoint/2010/main">
+    <mc:Choice Requires="p14">
       <p:transition spd="med" p14:dur="700">
         <p:fade/>
       </p:transition>
     </mc:Choice>
-    <mc:Fallback>
+    <mc:Fallback xmlns="">
       <p:transition spd="med">
         <p:fade/>
       </p:transition>
@@ -8136,13 +8136,13 @@
   <p:clrMapOvr>
     <a:masterClrMapping/>
   </p:clrMapOvr>
-  <mc:AlternateContent xmlns:mc="http://schemas.openxmlformats.org/markup-compatibility/2006">
-    <mc:Choice xmlns:p159="http://schemas.microsoft.com/office/powerpoint/2015/09/main" Requires="p159">
+  <mc:AlternateContent xmlns:mc="http://schemas.openxmlformats.org/markup-compatibility/2006" xmlns:p159="http://schemas.microsoft.com/office/powerpoint/2015/09/main">
+    <mc:Choice Requires="p159">
       <p:transition xmlns:p14="http://schemas.microsoft.com/office/powerpoint/2010/main" spd="slow" p14:dur="2000">
         <p159:morph option="byObject"/>
       </p:transition>
     </mc:Choice>
-    <mc:Fallback>
+    <mc:Fallback xmlns="">
       <p:transition spd="slow">
         <p:fade/>
       </p:transition>
@@ -8561,13 +8561,13 @@
   <p:clrMapOvr>
     <a:masterClrMapping/>
   </p:clrMapOvr>
-  <mc:AlternateContent xmlns:mc="http://schemas.openxmlformats.org/markup-compatibility/2006">
-    <mc:Choice xmlns:p159="http://schemas.microsoft.com/office/powerpoint/2015/09/main" Requires="p159">
+  <mc:AlternateContent xmlns:mc="http://schemas.openxmlformats.org/markup-compatibility/2006" xmlns:p159="http://schemas.microsoft.com/office/powerpoint/2015/09/main">
+    <mc:Choice Requires="p159">
       <p:transition xmlns:p14="http://schemas.microsoft.com/office/powerpoint/2010/main" spd="slow" p14:dur="2000">
         <p159:morph option="byObject"/>
       </p:transition>
     </mc:Choice>
-    <mc:Fallback>
+    <mc:Fallback xmlns="">
       <p:transition spd="slow">
         <p:fade/>
       </p:transition>
